--- a/_media_srcs/images.pptx
+++ b/_media_srcs/images.pptx
@@ -7,6 +7,7 @@
   <p:sldIdLst>
     <p:sldId id="256" r:id="rId2"/>
     <p:sldId id="257" r:id="rId3"/>
+    <p:sldId id="258" r:id="rId4"/>
   </p:sldIdLst>
   <p:sldSz cx="12192000" cy="6858000"/>
   <p:notesSz cx="6858000" cy="9144000"/>
@@ -260,7 +261,7 @@
           <a:p>
             <a:fld id="{02B29F35-8620-47AD-B506-1B772581C455}" type="datetimeFigureOut">
               <a:rPr lang="en-US" smtClean="0"/>
-              <a:t>5/3/2023</a:t>
+              <a:t>5/4/2023</a:t>
             </a:fld>
             <a:endParaRPr lang="en-US"/>
           </a:p>
@@ -458,7 +459,7 @@
           <a:p>
             <a:fld id="{02B29F35-8620-47AD-B506-1B772581C455}" type="datetimeFigureOut">
               <a:rPr lang="en-US" smtClean="0"/>
-              <a:t>5/3/2023</a:t>
+              <a:t>5/4/2023</a:t>
             </a:fld>
             <a:endParaRPr lang="en-US"/>
           </a:p>
@@ -666,7 +667,7 @@
           <a:p>
             <a:fld id="{02B29F35-8620-47AD-B506-1B772581C455}" type="datetimeFigureOut">
               <a:rPr lang="en-US" smtClean="0"/>
-              <a:t>5/3/2023</a:t>
+              <a:t>5/4/2023</a:t>
             </a:fld>
             <a:endParaRPr lang="en-US"/>
           </a:p>
@@ -864,7 +865,7 @@
           <a:p>
             <a:fld id="{02B29F35-8620-47AD-B506-1B772581C455}" type="datetimeFigureOut">
               <a:rPr lang="en-US" smtClean="0"/>
-              <a:t>5/3/2023</a:t>
+              <a:t>5/4/2023</a:t>
             </a:fld>
             <a:endParaRPr lang="en-US"/>
           </a:p>
@@ -1139,7 +1140,7 @@
           <a:p>
             <a:fld id="{02B29F35-8620-47AD-B506-1B772581C455}" type="datetimeFigureOut">
               <a:rPr lang="en-US" smtClean="0"/>
-              <a:t>5/3/2023</a:t>
+              <a:t>5/4/2023</a:t>
             </a:fld>
             <a:endParaRPr lang="en-US"/>
           </a:p>
@@ -1404,7 +1405,7 @@
           <a:p>
             <a:fld id="{02B29F35-8620-47AD-B506-1B772581C455}" type="datetimeFigureOut">
               <a:rPr lang="en-US" smtClean="0"/>
-              <a:t>5/3/2023</a:t>
+              <a:t>5/4/2023</a:t>
             </a:fld>
             <a:endParaRPr lang="en-US"/>
           </a:p>
@@ -1816,7 +1817,7 @@
           <a:p>
             <a:fld id="{02B29F35-8620-47AD-B506-1B772581C455}" type="datetimeFigureOut">
               <a:rPr lang="en-US" smtClean="0"/>
-              <a:t>5/3/2023</a:t>
+              <a:t>5/4/2023</a:t>
             </a:fld>
             <a:endParaRPr lang="en-US"/>
           </a:p>
@@ -1957,7 +1958,7 @@
           <a:p>
             <a:fld id="{02B29F35-8620-47AD-B506-1B772581C455}" type="datetimeFigureOut">
               <a:rPr lang="en-US" smtClean="0"/>
-              <a:t>5/3/2023</a:t>
+              <a:t>5/4/2023</a:t>
             </a:fld>
             <a:endParaRPr lang="en-US"/>
           </a:p>
@@ -2070,7 +2071,7 @@
           <a:p>
             <a:fld id="{02B29F35-8620-47AD-B506-1B772581C455}" type="datetimeFigureOut">
               <a:rPr lang="en-US" smtClean="0"/>
-              <a:t>5/3/2023</a:t>
+              <a:t>5/4/2023</a:t>
             </a:fld>
             <a:endParaRPr lang="en-US"/>
           </a:p>
@@ -2381,7 +2382,7 @@
           <a:p>
             <a:fld id="{02B29F35-8620-47AD-B506-1B772581C455}" type="datetimeFigureOut">
               <a:rPr lang="en-US" smtClean="0"/>
-              <a:t>5/3/2023</a:t>
+              <a:t>5/4/2023</a:t>
             </a:fld>
             <a:endParaRPr lang="en-US"/>
           </a:p>
@@ -2669,7 +2670,7 @@
           <a:p>
             <a:fld id="{02B29F35-8620-47AD-B506-1B772581C455}" type="datetimeFigureOut">
               <a:rPr lang="en-US" smtClean="0"/>
-              <a:t>5/3/2023</a:t>
+              <a:t>5/4/2023</a:t>
             </a:fld>
             <a:endParaRPr lang="en-US"/>
           </a:p>
@@ -2910,7 +2911,7 @@
           <a:p>
             <a:fld id="{02B29F35-8620-47AD-B506-1B772581C455}" type="datetimeFigureOut">
               <a:rPr lang="en-US" smtClean="0"/>
-              <a:t>5/3/2023</a:t>
+              <a:t>5/4/2023</a:t>
             </a:fld>
             <a:endParaRPr lang="en-US"/>
           </a:p>
@@ -3953,6 +3954,597 @@
 </p:sld>
 </file>
 
+<file path=ppt/slides/slide3.xml><?xml version="1.0" encoding="utf-8"?>
+<p:sld xmlns:a="http://schemas.openxmlformats.org/drawingml/2006/main" xmlns:r="http://schemas.openxmlformats.org/officeDocument/2006/relationships" xmlns:p="http://schemas.openxmlformats.org/presentationml/2006/main">
+  <p:cSld>
+    <p:spTree>
+      <p:nvGrpSpPr>
+        <p:cNvPr id="1" name=""/>
+        <p:cNvGrpSpPr/>
+        <p:nvPr/>
+      </p:nvGrpSpPr>
+      <p:grpSpPr>
+        <a:xfrm>
+          <a:off x="0" y="0"/>
+          <a:ext cx="0" cy="0"/>
+          <a:chOff x="0" y="0"/>
+          <a:chExt cx="0" cy="0"/>
+        </a:xfrm>
+      </p:grpSpPr>
+      <p:pic>
+        <p:nvPicPr>
+          <p:cNvPr id="11" name="Picture 10">
+            <a:extLst>
+              <a:ext uri="{FF2B5EF4-FFF2-40B4-BE49-F238E27FC236}">
+                <a16:creationId xmlns:a16="http://schemas.microsoft.com/office/drawing/2014/main" id="{DD53DD0A-0694-741E-6149-CEFA037D905A}"/>
+              </a:ext>
+            </a:extLst>
+          </p:cNvPr>
+          <p:cNvPicPr>
+            <a:picLocks noChangeAspect="1"/>
+          </p:cNvPicPr>
+          <p:nvPr/>
+        </p:nvPicPr>
+        <p:blipFill>
+          <a:blip r:embed="rId2"/>
+          <a:stretch>
+            <a:fillRect/>
+          </a:stretch>
+        </p:blipFill>
+        <p:spPr>
+          <a:xfrm>
+            <a:off x="1064454" y="749162"/>
+            <a:ext cx="4121362" cy="2679838"/>
+          </a:xfrm>
+          <a:prstGeom prst="rect">
+            <a:avLst/>
+          </a:prstGeom>
+        </p:spPr>
+      </p:pic>
+      <p:sp>
+        <p:nvSpPr>
+          <p:cNvPr id="14" name="Arrow: Curved Left 13">
+            <a:extLst>
+              <a:ext uri="{FF2B5EF4-FFF2-40B4-BE49-F238E27FC236}">
+                <a16:creationId xmlns:a16="http://schemas.microsoft.com/office/drawing/2014/main" id="{6C5A1E6D-1598-88F3-1607-250DA1E5C27C}"/>
+              </a:ext>
+            </a:extLst>
+          </p:cNvPr>
+          <p:cNvSpPr/>
+          <p:nvPr/>
+        </p:nvSpPr>
+        <p:spPr>
+          <a:xfrm flipH="1">
+            <a:off x="956659" y="2692357"/>
+            <a:ext cx="215590" cy="644660"/>
+          </a:xfrm>
+          <a:prstGeom prst="curvedLeftArrow">
+            <a:avLst>
+              <a:gd name="adj1" fmla="val 25000"/>
+              <a:gd name="adj2" fmla="val 86207"/>
+              <a:gd name="adj3" fmla="val 25000"/>
+            </a:avLst>
+          </a:prstGeom>
+          <a:solidFill>
+            <a:srgbClr val="FF0000"/>
+          </a:solidFill>
+          <a:ln>
+            <a:solidFill>
+              <a:srgbClr val="FF0000"/>
+            </a:solidFill>
+          </a:ln>
+        </p:spPr>
+        <p:style>
+          <a:lnRef idx="2">
+            <a:schemeClr val="accent1">
+              <a:shade val="50000"/>
+            </a:schemeClr>
+          </a:lnRef>
+          <a:fillRef idx="1">
+            <a:schemeClr val="accent1"/>
+          </a:fillRef>
+          <a:effectRef idx="0">
+            <a:schemeClr val="accent1"/>
+          </a:effectRef>
+          <a:fontRef idx="minor">
+            <a:schemeClr val="lt1"/>
+          </a:fontRef>
+        </p:style>
+        <p:txBody>
+          <a:bodyPr rtlCol="0" anchor="ctr"/>
+          <a:lstStyle/>
+          <a:p>
+            <a:pPr algn="ctr"/>
+            <a:endParaRPr lang="en-US">
+              <a:solidFill>
+                <a:schemeClr val="tx1"/>
+              </a:solidFill>
+            </a:endParaRPr>
+          </a:p>
+        </p:txBody>
+      </p:sp>
+      <p:sp>
+        <p:nvSpPr>
+          <p:cNvPr id="13" name="Arrow: Curved Left 12">
+            <a:extLst>
+              <a:ext uri="{FF2B5EF4-FFF2-40B4-BE49-F238E27FC236}">
+                <a16:creationId xmlns:a16="http://schemas.microsoft.com/office/drawing/2014/main" id="{9E08961D-3C96-5BB3-9DE7-66BE530BEF1A}"/>
+              </a:ext>
+            </a:extLst>
+          </p:cNvPr>
+          <p:cNvSpPr/>
+          <p:nvPr/>
+        </p:nvSpPr>
+        <p:spPr>
+          <a:xfrm flipH="1">
+            <a:off x="956659" y="2444491"/>
+            <a:ext cx="215590" cy="378068"/>
+          </a:xfrm>
+          <a:prstGeom prst="curvedLeftArrow">
+            <a:avLst>
+              <a:gd name="adj1" fmla="val 25000"/>
+              <a:gd name="adj2" fmla="val 86207"/>
+              <a:gd name="adj3" fmla="val 25000"/>
+            </a:avLst>
+          </a:prstGeom>
+          <a:solidFill>
+            <a:srgbClr val="FF0000"/>
+          </a:solidFill>
+          <a:ln>
+            <a:solidFill>
+              <a:srgbClr val="FF0000"/>
+            </a:solidFill>
+          </a:ln>
+        </p:spPr>
+        <p:style>
+          <a:lnRef idx="2">
+            <a:schemeClr val="accent1">
+              <a:shade val="50000"/>
+            </a:schemeClr>
+          </a:lnRef>
+          <a:fillRef idx="1">
+            <a:schemeClr val="accent1"/>
+          </a:fillRef>
+          <a:effectRef idx="0">
+            <a:schemeClr val="accent1"/>
+          </a:effectRef>
+          <a:fontRef idx="minor">
+            <a:schemeClr val="lt1"/>
+          </a:fontRef>
+        </p:style>
+        <p:txBody>
+          <a:bodyPr rtlCol="0" anchor="ctr"/>
+          <a:lstStyle/>
+          <a:p>
+            <a:pPr algn="ctr"/>
+            <a:endParaRPr lang="en-US">
+              <a:solidFill>
+                <a:schemeClr val="tx1"/>
+              </a:solidFill>
+            </a:endParaRPr>
+          </a:p>
+        </p:txBody>
+      </p:sp>
+      <p:sp>
+        <p:nvSpPr>
+          <p:cNvPr id="9" name="Arrow: Curved Left 8">
+            <a:extLst>
+              <a:ext uri="{FF2B5EF4-FFF2-40B4-BE49-F238E27FC236}">
+                <a16:creationId xmlns:a16="http://schemas.microsoft.com/office/drawing/2014/main" id="{C7221F94-3020-C7E7-4AA0-5335EDCF902B}"/>
+              </a:ext>
+            </a:extLst>
+          </p:cNvPr>
+          <p:cNvSpPr/>
+          <p:nvPr/>
+        </p:nvSpPr>
+        <p:spPr>
+          <a:xfrm flipH="1">
+            <a:off x="956659" y="1902192"/>
+            <a:ext cx="215590" cy="644661"/>
+          </a:xfrm>
+          <a:prstGeom prst="curvedLeftArrow">
+            <a:avLst>
+              <a:gd name="adj1" fmla="val 25000"/>
+              <a:gd name="adj2" fmla="val 86207"/>
+              <a:gd name="adj3" fmla="val 25000"/>
+            </a:avLst>
+          </a:prstGeom>
+          <a:solidFill>
+            <a:srgbClr val="FF0000"/>
+          </a:solidFill>
+          <a:ln>
+            <a:solidFill>
+              <a:srgbClr val="FF0000"/>
+            </a:solidFill>
+          </a:ln>
+        </p:spPr>
+        <p:style>
+          <a:lnRef idx="2">
+            <a:schemeClr val="accent1">
+              <a:shade val="50000"/>
+            </a:schemeClr>
+          </a:lnRef>
+          <a:fillRef idx="1">
+            <a:schemeClr val="accent1"/>
+          </a:fillRef>
+          <a:effectRef idx="0">
+            <a:schemeClr val="accent1"/>
+          </a:effectRef>
+          <a:fontRef idx="minor">
+            <a:schemeClr val="lt1"/>
+          </a:fontRef>
+        </p:style>
+        <p:txBody>
+          <a:bodyPr rtlCol="0" anchor="ctr"/>
+          <a:lstStyle/>
+          <a:p>
+            <a:pPr algn="ctr"/>
+            <a:endParaRPr lang="en-US">
+              <a:solidFill>
+                <a:schemeClr val="tx1"/>
+              </a:solidFill>
+            </a:endParaRPr>
+          </a:p>
+        </p:txBody>
+      </p:sp>
+      <p:sp>
+        <p:nvSpPr>
+          <p:cNvPr id="8" name="Arrow: Curved Left 7">
+            <a:extLst>
+              <a:ext uri="{FF2B5EF4-FFF2-40B4-BE49-F238E27FC236}">
+                <a16:creationId xmlns:a16="http://schemas.microsoft.com/office/drawing/2014/main" id="{AFA85234-1733-8CD9-90B0-54FAB2FF3555}"/>
+              </a:ext>
+            </a:extLst>
+          </p:cNvPr>
+          <p:cNvSpPr/>
+          <p:nvPr/>
+        </p:nvSpPr>
+        <p:spPr>
+          <a:xfrm flipH="1">
+            <a:off x="956659" y="1374556"/>
+            <a:ext cx="215590" cy="644662"/>
+          </a:xfrm>
+          <a:prstGeom prst="curvedLeftArrow">
+            <a:avLst>
+              <a:gd name="adj1" fmla="val 25000"/>
+              <a:gd name="adj2" fmla="val 86207"/>
+              <a:gd name="adj3" fmla="val 25000"/>
+            </a:avLst>
+          </a:prstGeom>
+          <a:solidFill>
+            <a:srgbClr val="FF0000"/>
+          </a:solidFill>
+          <a:ln>
+            <a:solidFill>
+              <a:srgbClr val="FF0000"/>
+            </a:solidFill>
+          </a:ln>
+        </p:spPr>
+        <p:style>
+          <a:lnRef idx="2">
+            <a:schemeClr val="accent1">
+              <a:shade val="50000"/>
+            </a:schemeClr>
+          </a:lnRef>
+          <a:fillRef idx="1">
+            <a:schemeClr val="accent1"/>
+          </a:fillRef>
+          <a:effectRef idx="0">
+            <a:schemeClr val="accent1"/>
+          </a:effectRef>
+          <a:fontRef idx="minor">
+            <a:schemeClr val="lt1"/>
+          </a:fontRef>
+        </p:style>
+        <p:txBody>
+          <a:bodyPr rtlCol="0" anchor="ctr"/>
+          <a:lstStyle/>
+          <a:p>
+            <a:pPr algn="ctr"/>
+            <a:endParaRPr lang="en-US">
+              <a:solidFill>
+                <a:schemeClr val="tx1"/>
+              </a:solidFill>
+            </a:endParaRPr>
+          </a:p>
+        </p:txBody>
+      </p:sp>
+      <p:sp>
+        <p:nvSpPr>
+          <p:cNvPr id="7" name="Arrow: Curved Left 6">
+            <a:extLst>
+              <a:ext uri="{FF2B5EF4-FFF2-40B4-BE49-F238E27FC236}">
+                <a16:creationId xmlns:a16="http://schemas.microsoft.com/office/drawing/2014/main" id="{A23B162C-0040-AAEE-F94D-9CE5ADCAFB72}"/>
+              </a:ext>
+            </a:extLst>
+          </p:cNvPr>
+          <p:cNvSpPr/>
+          <p:nvPr/>
+        </p:nvSpPr>
+        <p:spPr>
+          <a:xfrm flipH="1">
+            <a:off x="956659" y="1105212"/>
+            <a:ext cx="215590" cy="371708"/>
+          </a:xfrm>
+          <a:prstGeom prst="curvedLeftArrow">
+            <a:avLst>
+              <a:gd name="adj1" fmla="val 25000"/>
+              <a:gd name="adj2" fmla="val 86207"/>
+              <a:gd name="adj3" fmla="val 25000"/>
+            </a:avLst>
+          </a:prstGeom>
+          <a:solidFill>
+            <a:srgbClr val="FF0000"/>
+          </a:solidFill>
+          <a:ln>
+            <a:solidFill>
+              <a:srgbClr val="FF0000"/>
+            </a:solidFill>
+          </a:ln>
+        </p:spPr>
+        <p:style>
+          <a:lnRef idx="2">
+            <a:schemeClr val="accent1">
+              <a:shade val="50000"/>
+            </a:schemeClr>
+          </a:lnRef>
+          <a:fillRef idx="1">
+            <a:schemeClr val="accent1"/>
+          </a:fillRef>
+          <a:effectRef idx="0">
+            <a:schemeClr val="accent1"/>
+          </a:effectRef>
+          <a:fontRef idx="minor">
+            <a:schemeClr val="lt1"/>
+          </a:fontRef>
+        </p:style>
+        <p:txBody>
+          <a:bodyPr rtlCol="0" anchor="ctr"/>
+          <a:lstStyle/>
+          <a:p>
+            <a:pPr algn="ctr"/>
+            <a:endParaRPr lang="en-US">
+              <a:solidFill>
+                <a:schemeClr val="tx1"/>
+              </a:solidFill>
+            </a:endParaRPr>
+          </a:p>
+        </p:txBody>
+      </p:sp>
+      <p:sp>
+        <p:nvSpPr>
+          <p:cNvPr id="6" name="Arrow: Curved Left 5">
+            <a:extLst>
+              <a:ext uri="{FF2B5EF4-FFF2-40B4-BE49-F238E27FC236}">
+                <a16:creationId xmlns:a16="http://schemas.microsoft.com/office/drawing/2014/main" id="{9DF4D3F6-5686-AFFF-1B3B-5ECCD0FC3A4F}"/>
+              </a:ext>
+            </a:extLst>
+          </p:cNvPr>
+          <p:cNvSpPr/>
+          <p:nvPr/>
+        </p:nvSpPr>
+        <p:spPr>
+          <a:xfrm flipH="1">
+            <a:off x="956659" y="843135"/>
+            <a:ext cx="215590" cy="371708"/>
+          </a:xfrm>
+          <a:prstGeom prst="curvedLeftArrow">
+            <a:avLst>
+              <a:gd name="adj1" fmla="val 25000"/>
+              <a:gd name="adj2" fmla="val 86207"/>
+              <a:gd name="adj3" fmla="val 25000"/>
+            </a:avLst>
+          </a:prstGeom>
+          <a:solidFill>
+            <a:srgbClr val="FF0000"/>
+          </a:solidFill>
+          <a:ln>
+            <a:solidFill>
+              <a:srgbClr val="FF0000"/>
+            </a:solidFill>
+          </a:ln>
+        </p:spPr>
+        <p:style>
+          <a:lnRef idx="2">
+            <a:schemeClr val="accent1">
+              <a:shade val="50000"/>
+            </a:schemeClr>
+          </a:lnRef>
+          <a:fillRef idx="1">
+            <a:schemeClr val="accent1"/>
+          </a:fillRef>
+          <a:effectRef idx="0">
+            <a:schemeClr val="accent1"/>
+          </a:effectRef>
+          <a:fontRef idx="minor">
+            <a:schemeClr val="lt1"/>
+          </a:fontRef>
+        </p:style>
+        <p:txBody>
+          <a:bodyPr rtlCol="0" anchor="ctr"/>
+          <a:lstStyle/>
+          <a:p>
+            <a:pPr algn="ctr"/>
+            <a:endParaRPr lang="en-US">
+              <a:solidFill>
+                <a:schemeClr val="tx1"/>
+              </a:solidFill>
+            </a:endParaRPr>
+          </a:p>
+        </p:txBody>
+      </p:sp>
+      <p:pic>
+        <p:nvPicPr>
+          <p:cNvPr id="15" name="Picture 14">
+            <a:extLst>
+              <a:ext uri="{FF2B5EF4-FFF2-40B4-BE49-F238E27FC236}">
+                <a16:creationId xmlns:a16="http://schemas.microsoft.com/office/drawing/2014/main" id="{C32C4BF1-5158-EC43-B571-666D504B608C}"/>
+              </a:ext>
+            </a:extLst>
+          </p:cNvPr>
+          <p:cNvPicPr>
+            <a:picLocks noChangeAspect="1"/>
+          </p:cNvPicPr>
+          <p:nvPr/>
+        </p:nvPicPr>
+        <p:blipFill rotWithShape="1">
+          <a:blip r:embed="rId2"/>
+          <a:srcRect b="66465"/>
+          <a:stretch/>
+        </p:blipFill>
+        <p:spPr>
+          <a:xfrm>
+            <a:off x="6006402" y="797489"/>
+            <a:ext cx="4121362" cy="898688"/>
+          </a:xfrm>
+          <a:prstGeom prst="rect">
+            <a:avLst/>
+          </a:prstGeom>
+        </p:spPr>
+      </p:pic>
+      <p:cxnSp>
+        <p:nvCxnSpPr>
+          <p:cNvPr id="17" name="Straight Arrow Connector 16">
+            <a:extLst>
+              <a:ext uri="{FF2B5EF4-FFF2-40B4-BE49-F238E27FC236}">
+                <a16:creationId xmlns:a16="http://schemas.microsoft.com/office/drawing/2014/main" id="{FCCD6220-64D9-8441-7BEB-278482A78256}"/>
+              </a:ext>
+            </a:extLst>
+          </p:cNvPr>
+          <p:cNvCxnSpPr/>
+          <p:nvPr/>
+        </p:nvCxnSpPr>
+        <p:spPr>
+          <a:xfrm flipH="1" flipV="1">
+            <a:off x="9269643" y="956281"/>
+            <a:ext cx="858121" cy="76782"/>
+          </a:xfrm>
+          <a:prstGeom prst="straightConnector1">
+            <a:avLst/>
+          </a:prstGeom>
+          <a:ln w="57150">
+            <a:solidFill>
+              <a:srgbClr val="FF0000"/>
+            </a:solidFill>
+            <a:tailEnd type="triangle"/>
+          </a:ln>
+        </p:spPr>
+        <p:style>
+          <a:lnRef idx="1">
+            <a:schemeClr val="accent1"/>
+          </a:lnRef>
+          <a:fillRef idx="0">
+            <a:schemeClr val="accent1"/>
+          </a:fillRef>
+          <a:effectRef idx="0">
+            <a:schemeClr val="accent1"/>
+          </a:effectRef>
+          <a:fontRef idx="minor">
+            <a:schemeClr val="tx1"/>
+          </a:fontRef>
+        </p:style>
+      </p:cxnSp>
+      <p:cxnSp>
+        <p:nvCxnSpPr>
+          <p:cNvPr id="18" name="Straight Arrow Connector 17">
+            <a:extLst>
+              <a:ext uri="{FF2B5EF4-FFF2-40B4-BE49-F238E27FC236}">
+                <a16:creationId xmlns:a16="http://schemas.microsoft.com/office/drawing/2014/main" id="{B4D9D787-D1DC-96DC-46C1-5E524C70E267}"/>
+              </a:ext>
+            </a:extLst>
+          </p:cNvPr>
+          <p:cNvCxnSpPr>
+            <a:cxnSpLocks/>
+          </p:cNvCxnSpPr>
+          <p:nvPr/>
+        </p:nvCxnSpPr>
+        <p:spPr>
+          <a:xfrm flipH="1">
+            <a:off x="9346424" y="1033063"/>
+            <a:ext cx="781340" cy="152400"/>
+          </a:xfrm>
+          <a:prstGeom prst="straightConnector1">
+            <a:avLst/>
+          </a:prstGeom>
+          <a:ln w="57150">
+            <a:solidFill>
+              <a:srgbClr val="FF0000"/>
+            </a:solidFill>
+            <a:tailEnd type="triangle"/>
+          </a:ln>
+        </p:spPr>
+        <p:style>
+          <a:lnRef idx="1">
+            <a:schemeClr val="accent1"/>
+          </a:lnRef>
+          <a:fillRef idx="0">
+            <a:schemeClr val="accent1"/>
+          </a:fillRef>
+          <a:effectRef idx="0">
+            <a:schemeClr val="accent1"/>
+          </a:effectRef>
+          <a:fontRef idx="minor">
+            <a:schemeClr val="tx1"/>
+          </a:fontRef>
+        </p:style>
+      </p:cxnSp>
+      <p:cxnSp>
+        <p:nvCxnSpPr>
+          <p:cNvPr id="21" name="Straight Arrow Connector 20">
+            <a:extLst>
+              <a:ext uri="{FF2B5EF4-FFF2-40B4-BE49-F238E27FC236}">
+                <a16:creationId xmlns:a16="http://schemas.microsoft.com/office/drawing/2014/main" id="{A1C7C296-F1FA-BEE7-7AEC-FAEC910A1DE4}"/>
+              </a:ext>
+            </a:extLst>
+          </p:cNvPr>
+          <p:cNvCxnSpPr>
+            <a:cxnSpLocks/>
+          </p:cNvCxnSpPr>
+          <p:nvPr/>
+        </p:nvCxnSpPr>
+        <p:spPr>
+          <a:xfrm flipH="1">
+            <a:off x="9346424" y="1033063"/>
+            <a:ext cx="781340" cy="443857"/>
+          </a:xfrm>
+          <a:prstGeom prst="straightConnector1">
+            <a:avLst/>
+          </a:prstGeom>
+          <a:ln w="57150">
+            <a:solidFill>
+              <a:srgbClr val="FF0000"/>
+            </a:solidFill>
+            <a:tailEnd type="triangle"/>
+          </a:ln>
+        </p:spPr>
+        <p:style>
+          <a:lnRef idx="1">
+            <a:schemeClr val="accent1"/>
+          </a:lnRef>
+          <a:fillRef idx="0">
+            <a:schemeClr val="accent1"/>
+          </a:fillRef>
+          <a:effectRef idx="0">
+            <a:schemeClr val="accent1"/>
+          </a:effectRef>
+          <a:fontRef idx="minor">
+            <a:schemeClr val="tx1"/>
+          </a:fontRef>
+        </p:style>
+      </p:cxnSp>
+    </p:spTree>
+    <p:extLst>
+      <p:ext uri="{BB962C8B-B14F-4D97-AF65-F5344CB8AC3E}">
+        <p14:creationId xmlns:p14="http://schemas.microsoft.com/office/powerpoint/2010/main" val="245864034"/>
+      </p:ext>
+    </p:extLst>
+  </p:cSld>
+  <p:clrMapOvr>
+    <a:masterClrMapping/>
+  </p:clrMapOvr>
+</p:sld>
+</file>
+
 <file path=ppt/theme/theme1.xml><?xml version="1.0" encoding="utf-8"?>
 <a:theme xmlns:a="http://schemas.openxmlformats.org/drawingml/2006/main" name="Office Theme">
   <a:themeElements>

--- a/_media_srcs/images.pptx
+++ b/_media_srcs/images.pptx
@@ -261,7 +261,7 @@
           <a:p>
             <a:fld id="{02B29F35-8620-47AD-B506-1B772581C455}" type="datetimeFigureOut">
               <a:rPr lang="en-US" smtClean="0"/>
-              <a:t>5/4/2023</a:t>
+              <a:t>5/5/2023</a:t>
             </a:fld>
             <a:endParaRPr lang="en-US"/>
           </a:p>
@@ -459,7 +459,7 @@
           <a:p>
             <a:fld id="{02B29F35-8620-47AD-B506-1B772581C455}" type="datetimeFigureOut">
               <a:rPr lang="en-US" smtClean="0"/>
-              <a:t>5/4/2023</a:t>
+              <a:t>5/5/2023</a:t>
             </a:fld>
             <a:endParaRPr lang="en-US"/>
           </a:p>
@@ -667,7 +667,7 @@
           <a:p>
             <a:fld id="{02B29F35-8620-47AD-B506-1B772581C455}" type="datetimeFigureOut">
               <a:rPr lang="en-US" smtClean="0"/>
-              <a:t>5/4/2023</a:t>
+              <a:t>5/5/2023</a:t>
             </a:fld>
             <a:endParaRPr lang="en-US"/>
           </a:p>
@@ -865,7 +865,7 @@
           <a:p>
             <a:fld id="{02B29F35-8620-47AD-B506-1B772581C455}" type="datetimeFigureOut">
               <a:rPr lang="en-US" smtClean="0"/>
-              <a:t>5/4/2023</a:t>
+              <a:t>5/5/2023</a:t>
             </a:fld>
             <a:endParaRPr lang="en-US"/>
           </a:p>
@@ -1140,7 +1140,7 @@
           <a:p>
             <a:fld id="{02B29F35-8620-47AD-B506-1B772581C455}" type="datetimeFigureOut">
               <a:rPr lang="en-US" smtClean="0"/>
-              <a:t>5/4/2023</a:t>
+              <a:t>5/5/2023</a:t>
             </a:fld>
             <a:endParaRPr lang="en-US"/>
           </a:p>
@@ -1405,7 +1405,7 @@
           <a:p>
             <a:fld id="{02B29F35-8620-47AD-B506-1B772581C455}" type="datetimeFigureOut">
               <a:rPr lang="en-US" smtClean="0"/>
-              <a:t>5/4/2023</a:t>
+              <a:t>5/5/2023</a:t>
             </a:fld>
             <a:endParaRPr lang="en-US"/>
           </a:p>
@@ -1817,7 +1817,7 @@
           <a:p>
             <a:fld id="{02B29F35-8620-47AD-B506-1B772581C455}" type="datetimeFigureOut">
               <a:rPr lang="en-US" smtClean="0"/>
-              <a:t>5/4/2023</a:t>
+              <a:t>5/5/2023</a:t>
             </a:fld>
             <a:endParaRPr lang="en-US"/>
           </a:p>
@@ -1958,7 +1958,7 @@
           <a:p>
             <a:fld id="{02B29F35-8620-47AD-B506-1B772581C455}" type="datetimeFigureOut">
               <a:rPr lang="en-US" smtClean="0"/>
-              <a:t>5/4/2023</a:t>
+              <a:t>5/5/2023</a:t>
             </a:fld>
             <a:endParaRPr lang="en-US"/>
           </a:p>
@@ -2071,7 +2071,7 @@
           <a:p>
             <a:fld id="{02B29F35-8620-47AD-B506-1B772581C455}" type="datetimeFigureOut">
               <a:rPr lang="en-US" smtClean="0"/>
-              <a:t>5/4/2023</a:t>
+              <a:t>5/5/2023</a:t>
             </a:fld>
             <a:endParaRPr lang="en-US"/>
           </a:p>
@@ -2382,7 +2382,7 @@
           <a:p>
             <a:fld id="{02B29F35-8620-47AD-B506-1B772581C455}" type="datetimeFigureOut">
               <a:rPr lang="en-US" smtClean="0"/>
-              <a:t>5/4/2023</a:t>
+              <a:t>5/5/2023</a:t>
             </a:fld>
             <a:endParaRPr lang="en-US"/>
           </a:p>
@@ -2670,7 +2670,7 @@
           <a:p>
             <a:fld id="{02B29F35-8620-47AD-B506-1B772581C455}" type="datetimeFigureOut">
               <a:rPr lang="en-US" smtClean="0"/>
-              <a:t>5/4/2023</a:t>
+              <a:t>5/5/2023</a:t>
             </a:fld>
             <a:endParaRPr lang="en-US"/>
           </a:p>
@@ -2911,7 +2911,7 @@
           <a:p>
             <a:fld id="{02B29F35-8620-47AD-B506-1B772581C455}" type="datetimeFigureOut">
               <a:rPr lang="en-US" smtClean="0"/>
-              <a:t>5/4/2023</a:t>
+              <a:t>5/5/2023</a:t>
             </a:fld>
             <a:endParaRPr lang="en-US"/>
           </a:p>
@@ -3973,10 +3973,10 @@
       </p:grpSpPr>
       <p:pic>
         <p:nvPicPr>
-          <p:cNvPr id="11" name="Picture 10">
-            <a:extLst>
-              <a:ext uri="{FF2B5EF4-FFF2-40B4-BE49-F238E27FC236}">
-                <a16:creationId xmlns:a16="http://schemas.microsoft.com/office/drawing/2014/main" id="{DD53DD0A-0694-741E-6149-CEFA037D905A}"/>
+          <p:cNvPr id="12" name="Picture 11">
+            <a:extLst>
+              <a:ext uri="{FF2B5EF4-FFF2-40B4-BE49-F238E27FC236}">
+                <a16:creationId xmlns:a16="http://schemas.microsoft.com/office/drawing/2014/main" id="{16D9B0A2-1F33-8996-FEA3-78A0BD908536}"/>
               </a:ext>
             </a:extLst>
           </p:cNvPr>
@@ -3993,14 +3993,44 @@
         </p:blipFill>
         <p:spPr>
           <a:xfrm>
-            <a:off x="1064454" y="749162"/>
-            <a:ext cx="4121362" cy="2679838"/>
+            <a:off x="956659" y="4056144"/>
+            <a:ext cx="3803845" cy="1822544"/>
           </a:xfrm>
           <a:prstGeom prst="rect">
             <a:avLst/>
           </a:prstGeom>
         </p:spPr>
       </p:pic>
+      <p:pic>
+        <p:nvPicPr>
+          <p:cNvPr id="3" name="Picture 2">
+            <a:extLst>
+              <a:ext uri="{FF2B5EF4-FFF2-40B4-BE49-F238E27FC236}">
+                <a16:creationId xmlns:a16="http://schemas.microsoft.com/office/drawing/2014/main" id="{87D052E1-B490-AE8F-933B-F977B31DBD43}"/>
+              </a:ext>
+            </a:extLst>
+          </p:cNvPr>
+          <p:cNvPicPr>
+            <a:picLocks noChangeAspect="1"/>
+          </p:cNvPicPr>
+          <p:nvPr/>
+        </p:nvPicPr>
+        <p:blipFill>
+          <a:blip r:embed="rId3"/>
+          <a:stretch>
+            <a:fillRect/>
+          </a:stretch>
+        </p:blipFill>
+        <p:spPr>
+          <a:xfrm>
+            <a:off x="1141359" y="717173"/>
+            <a:ext cx="3830165" cy="2179418"/>
+          </a:xfrm>
+          <a:prstGeom prst="rect">
+            <a:avLst/>
+          </a:prstGeom>
+        </p:spPr>
+      </p:pic>
       <p:sp>
         <p:nvSpPr>
           <p:cNvPr id="14" name="Arrow: Curved Left 13">
@@ -4015,7 +4045,7 @@
         </p:nvSpPr>
         <p:spPr>
           <a:xfrm flipH="1">
-            <a:off x="956659" y="2692357"/>
+            <a:off x="956659" y="2148657"/>
             <a:ext cx="215590" cy="644660"/>
           </a:xfrm>
           <a:prstGeom prst="curvedLeftArrow">
@@ -4077,7 +4107,7 @@
         </p:nvSpPr>
         <p:spPr>
           <a:xfrm flipH="1">
-            <a:off x="956659" y="2444491"/>
+            <a:off x="956659" y="1900791"/>
             <a:ext cx="215590" cy="378068"/>
           </a:xfrm>
           <a:prstGeom prst="curvedLeftArrow">
@@ -4127,10 +4157,10 @@
       </p:sp>
       <p:sp>
         <p:nvSpPr>
-          <p:cNvPr id="9" name="Arrow: Curved Left 8">
-            <a:extLst>
-              <a:ext uri="{FF2B5EF4-FFF2-40B4-BE49-F238E27FC236}">
-                <a16:creationId xmlns:a16="http://schemas.microsoft.com/office/drawing/2014/main" id="{C7221F94-3020-C7E7-4AA0-5335EDCF902B}"/>
+          <p:cNvPr id="8" name="Arrow: Curved Left 7">
+            <a:extLst>
+              <a:ext uri="{FF2B5EF4-FFF2-40B4-BE49-F238E27FC236}">
+                <a16:creationId xmlns:a16="http://schemas.microsoft.com/office/drawing/2014/main" id="{AFA85234-1733-8CD9-90B0-54FAB2FF3555}"/>
               </a:ext>
             </a:extLst>
           </p:cNvPr>
@@ -4139,8 +4169,8 @@
         </p:nvSpPr>
         <p:spPr>
           <a:xfrm flipH="1">
-            <a:off x="956659" y="1902192"/>
-            <a:ext cx="215590" cy="644661"/>
+            <a:off x="956659" y="1374556"/>
+            <a:ext cx="215590" cy="644662"/>
           </a:xfrm>
           <a:prstGeom prst="curvedLeftArrow">
             <a:avLst>
@@ -4189,10 +4219,10 @@
       </p:sp>
       <p:sp>
         <p:nvSpPr>
-          <p:cNvPr id="8" name="Arrow: Curved Left 7">
-            <a:extLst>
-              <a:ext uri="{FF2B5EF4-FFF2-40B4-BE49-F238E27FC236}">
-                <a16:creationId xmlns:a16="http://schemas.microsoft.com/office/drawing/2014/main" id="{AFA85234-1733-8CD9-90B0-54FAB2FF3555}"/>
+          <p:cNvPr id="7" name="Arrow: Curved Left 6">
+            <a:extLst>
+              <a:ext uri="{FF2B5EF4-FFF2-40B4-BE49-F238E27FC236}">
+                <a16:creationId xmlns:a16="http://schemas.microsoft.com/office/drawing/2014/main" id="{A23B162C-0040-AAEE-F94D-9CE5ADCAFB72}"/>
               </a:ext>
             </a:extLst>
           </p:cNvPr>
@@ -4201,8 +4231,8 @@
         </p:nvSpPr>
         <p:spPr>
           <a:xfrm flipH="1">
-            <a:off x="956659" y="1374556"/>
-            <a:ext cx="215590" cy="644662"/>
+            <a:off x="956659" y="1105212"/>
+            <a:ext cx="215590" cy="371708"/>
           </a:xfrm>
           <a:prstGeom prst="curvedLeftArrow">
             <a:avLst>
@@ -4251,10 +4281,10 @@
       </p:sp>
       <p:sp>
         <p:nvSpPr>
-          <p:cNvPr id="7" name="Arrow: Curved Left 6">
-            <a:extLst>
-              <a:ext uri="{FF2B5EF4-FFF2-40B4-BE49-F238E27FC236}">
-                <a16:creationId xmlns:a16="http://schemas.microsoft.com/office/drawing/2014/main" id="{A23B162C-0040-AAEE-F94D-9CE5ADCAFB72}"/>
+          <p:cNvPr id="6" name="Arrow: Curved Left 5">
+            <a:extLst>
+              <a:ext uri="{FF2B5EF4-FFF2-40B4-BE49-F238E27FC236}">
+                <a16:creationId xmlns:a16="http://schemas.microsoft.com/office/drawing/2014/main" id="{9DF4D3F6-5686-AFFF-1B3B-5ECCD0FC3A4F}"/>
               </a:ext>
             </a:extLst>
           </p:cNvPr>
@@ -4263,7 +4293,7 @@
         </p:nvSpPr>
         <p:spPr>
           <a:xfrm flipH="1">
-            <a:off x="956659" y="1105212"/>
+            <a:off x="956659" y="843135"/>
             <a:ext cx="215590" cy="371708"/>
           </a:xfrm>
           <a:prstGeom prst="curvedLeftArrow">
@@ -4311,68 +4341,6 @@
           </a:p>
         </p:txBody>
       </p:sp>
-      <p:sp>
-        <p:nvSpPr>
-          <p:cNvPr id="6" name="Arrow: Curved Left 5">
-            <a:extLst>
-              <a:ext uri="{FF2B5EF4-FFF2-40B4-BE49-F238E27FC236}">
-                <a16:creationId xmlns:a16="http://schemas.microsoft.com/office/drawing/2014/main" id="{9DF4D3F6-5686-AFFF-1B3B-5ECCD0FC3A4F}"/>
-              </a:ext>
-            </a:extLst>
-          </p:cNvPr>
-          <p:cNvSpPr/>
-          <p:nvPr/>
-        </p:nvSpPr>
-        <p:spPr>
-          <a:xfrm flipH="1">
-            <a:off x="956659" y="843135"/>
-            <a:ext cx="215590" cy="371708"/>
-          </a:xfrm>
-          <a:prstGeom prst="curvedLeftArrow">
-            <a:avLst>
-              <a:gd name="adj1" fmla="val 25000"/>
-              <a:gd name="adj2" fmla="val 86207"/>
-              <a:gd name="adj3" fmla="val 25000"/>
-            </a:avLst>
-          </a:prstGeom>
-          <a:solidFill>
-            <a:srgbClr val="FF0000"/>
-          </a:solidFill>
-          <a:ln>
-            <a:solidFill>
-              <a:srgbClr val="FF0000"/>
-            </a:solidFill>
-          </a:ln>
-        </p:spPr>
-        <p:style>
-          <a:lnRef idx="2">
-            <a:schemeClr val="accent1">
-              <a:shade val="50000"/>
-            </a:schemeClr>
-          </a:lnRef>
-          <a:fillRef idx="1">
-            <a:schemeClr val="accent1"/>
-          </a:fillRef>
-          <a:effectRef idx="0">
-            <a:schemeClr val="accent1"/>
-          </a:effectRef>
-          <a:fontRef idx="minor">
-            <a:schemeClr val="lt1"/>
-          </a:fontRef>
-        </p:style>
-        <p:txBody>
-          <a:bodyPr rtlCol="0" anchor="ctr"/>
-          <a:lstStyle/>
-          <a:p>
-            <a:pPr algn="ctr"/>
-            <a:endParaRPr lang="en-US">
-              <a:solidFill>
-                <a:schemeClr val="tx1"/>
-              </a:solidFill>
-            </a:endParaRPr>
-          </a:p>
-        </p:txBody>
-      </p:sp>
       <p:pic>
         <p:nvPicPr>
           <p:cNvPr id="15" name="Picture 14">
@@ -4388,7 +4356,7 @@
           <p:nvPr/>
         </p:nvPicPr>
         <p:blipFill rotWithShape="1">
-          <a:blip r:embed="rId2"/>
+          <a:blip r:embed="rId4"/>
           <a:srcRect b="66465"/>
           <a:stretch/>
         </p:blipFill>
@@ -4460,8 +4428,8 @@
         </p:nvCxnSpPr>
         <p:spPr>
           <a:xfrm flipH="1">
-            <a:off x="9346424" y="1033063"/>
-            <a:ext cx="781340" cy="152400"/>
+            <a:off x="2404271" y="5117275"/>
+            <a:ext cx="652170" cy="0"/>
           </a:xfrm>
           <a:prstGeom prst="straightConnector1">
             <a:avLst/>
@@ -4532,6 +4500,253 @@
           </a:fontRef>
         </p:style>
       </p:cxnSp>
+      <p:cxnSp>
+        <p:nvCxnSpPr>
+          <p:cNvPr id="16" name="Straight Arrow Connector 15">
+            <a:extLst>
+              <a:ext uri="{FF2B5EF4-FFF2-40B4-BE49-F238E27FC236}">
+                <a16:creationId xmlns:a16="http://schemas.microsoft.com/office/drawing/2014/main" id="{1D75E019-E28A-898E-67A6-DC12A5FE5608}"/>
+              </a:ext>
+            </a:extLst>
+          </p:cNvPr>
+          <p:cNvCxnSpPr/>
+          <p:nvPr/>
+        </p:nvCxnSpPr>
+        <p:spPr>
+          <a:xfrm flipH="1" flipV="1">
+            <a:off x="4188956" y="4315259"/>
+            <a:ext cx="858121" cy="76782"/>
+          </a:xfrm>
+          <a:prstGeom prst="straightConnector1">
+            <a:avLst/>
+          </a:prstGeom>
+          <a:ln w="57150">
+            <a:solidFill>
+              <a:srgbClr val="FF0000"/>
+            </a:solidFill>
+            <a:tailEnd type="triangle"/>
+          </a:ln>
+        </p:spPr>
+        <p:style>
+          <a:lnRef idx="1">
+            <a:schemeClr val="accent1"/>
+          </a:lnRef>
+          <a:fillRef idx="0">
+            <a:schemeClr val="accent1"/>
+          </a:fillRef>
+          <a:effectRef idx="0">
+            <a:schemeClr val="accent1"/>
+          </a:effectRef>
+          <a:fontRef idx="minor">
+            <a:schemeClr val="tx1"/>
+          </a:fontRef>
+        </p:style>
+      </p:cxnSp>
+      <p:cxnSp>
+        <p:nvCxnSpPr>
+          <p:cNvPr id="19" name="Straight Arrow Connector 18">
+            <a:extLst>
+              <a:ext uri="{FF2B5EF4-FFF2-40B4-BE49-F238E27FC236}">
+                <a16:creationId xmlns:a16="http://schemas.microsoft.com/office/drawing/2014/main" id="{28C7A794-B900-6755-5210-3E5E4B069C61}"/>
+              </a:ext>
+            </a:extLst>
+          </p:cNvPr>
+          <p:cNvCxnSpPr>
+            <a:cxnSpLocks/>
+          </p:cNvCxnSpPr>
+          <p:nvPr/>
+        </p:nvCxnSpPr>
+        <p:spPr>
+          <a:xfrm flipH="1">
+            <a:off x="4265737" y="4392041"/>
+            <a:ext cx="781340" cy="152400"/>
+          </a:xfrm>
+          <a:prstGeom prst="straightConnector1">
+            <a:avLst/>
+          </a:prstGeom>
+          <a:ln w="57150">
+            <a:solidFill>
+              <a:srgbClr val="FF0000"/>
+            </a:solidFill>
+            <a:tailEnd type="triangle"/>
+          </a:ln>
+        </p:spPr>
+        <p:style>
+          <a:lnRef idx="1">
+            <a:schemeClr val="accent1"/>
+          </a:lnRef>
+          <a:fillRef idx="0">
+            <a:schemeClr val="accent1"/>
+          </a:fillRef>
+          <a:effectRef idx="0">
+            <a:schemeClr val="accent1"/>
+          </a:effectRef>
+          <a:fontRef idx="minor">
+            <a:schemeClr val="tx1"/>
+          </a:fontRef>
+        </p:style>
+      </p:cxnSp>
+      <p:cxnSp>
+        <p:nvCxnSpPr>
+          <p:cNvPr id="22" name="Straight Arrow Connector 21">
+            <a:extLst>
+              <a:ext uri="{FF2B5EF4-FFF2-40B4-BE49-F238E27FC236}">
+                <a16:creationId xmlns:a16="http://schemas.microsoft.com/office/drawing/2014/main" id="{9188CFAF-B0EC-5D53-A9AA-F539615EF6D6}"/>
+              </a:ext>
+            </a:extLst>
+          </p:cNvPr>
+          <p:cNvCxnSpPr>
+            <a:cxnSpLocks/>
+          </p:cNvCxnSpPr>
+          <p:nvPr/>
+        </p:nvCxnSpPr>
+        <p:spPr>
+          <a:xfrm flipH="1">
+            <a:off x="3994770" y="5617723"/>
+            <a:ext cx="652170" cy="0"/>
+          </a:xfrm>
+          <a:prstGeom prst="straightConnector1">
+            <a:avLst/>
+          </a:prstGeom>
+          <a:ln w="57150">
+            <a:solidFill>
+              <a:srgbClr val="FF0000"/>
+            </a:solidFill>
+            <a:tailEnd type="triangle"/>
+          </a:ln>
+        </p:spPr>
+        <p:style>
+          <a:lnRef idx="1">
+            <a:schemeClr val="accent1"/>
+          </a:lnRef>
+          <a:fillRef idx="0">
+            <a:schemeClr val="accent1"/>
+          </a:fillRef>
+          <a:effectRef idx="0">
+            <a:schemeClr val="accent1"/>
+          </a:effectRef>
+          <a:fontRef idx="minor">
+            <a:schemeClr val="tx1"/>
+          </a:fontRef>
+        </p:style>
+      </p:cxnSp>
+      <p:sp>
+        <p:nvSpPr>
+          <p:cNvPr id="23" name="TextBox 22">
+            <a:extLst>
+              <a:ext uri="{FF2B5EF4-FFF2-40B4-BE49-F238E27FC236}">
+                <a16:creationId xmlns:a16="http://schemas.microsoft.com/office/drawing/2014/main" id="{313225A8-2FD6-BF16-8F43-27A6C1EF10C4}"/>
+              </a:ext>
+            </a:extLst>
+          </p:cNvPr>
+          <p:cNvSpPr txBox="1"/>
+          <p:nvPr/>
+        </p:nvSpPr>
+        <p:spPr>
+          <a:xfrm>
+            <a:off x="5024172" y="4207375"/>
+            <a:ext cx="2445991" cy="369332"/>
+          </a:xfrm>
+          <a:prstGeom prst="rect">
+            <a:avLst/>
+          </a:prstGeom>
+          <a:noFill/>
+        </p:spPr>
+        <p:txBody>
+          <a:bodyPr wrap="none" rtlCol="0">
+            <a:spAutoFit/>
+          </a:bodyPr>
+          <a:lstStyle/>
+          <a:p>
+            <a:r>
+              <a:rPr lang="en-US" b="1" dirty="0">
+                <a:solidFill>
+                  <a:srgbClr val="FF0000"/>
+                </a:solidFill>
+              </a:rPr>
+              <a:t>Run these together first</a:t>
+            </a:r>
+          </a:p>
+        </p:txBody>
+      </p:sp>
+      <p:sp>
+        <p:nvSpPr>
+          <p:cNvPr id="24" name="TextBox 23">
+            <a:extLst>
+              <a:ext uri="{FF2B5EF4-FFF2-40B4-BE49-F238E27FC236}">
+                <a16:creationId xmlns:a16="http://schemas.microsoft.com/office/drawing/2014/main" id="{80CBADFD-20E4-F9AB-2C94-E2D1EB7ECA83}"/>
+              </a:ext>
+            </a:extLst>
+          </p:cNvPr>
+          <p:cNvSpPr txBox="1"/>
+          <p:nvPr/>
+        </p:nvSpPr>
+        <p:spPr>
+          <a:xfrm>
+            <a:off x="3056441" y="4913480"/>
+            <a:ext cx="1115690" cy="369332"/>
+          </a:xfrm>
+          <a:prstGeom prst="rect">
+            <a:avLst/>
+          </a:prstGeom>
+          <a:noFill/>
+        </p:spPr>
+        <p:txBody>
+          <a:bodyPr wrap="none" rtlCol="0">
+            <a:spAutoFit/>
+          </a:bodyPr>
+          <a:lstStyle/>
+          <a:p>
+            <a:r>
+              <a:rPr lang="en-US" b="1" dirty="0">
+                <a:solidFill>
+                  <a:srgbClr val="FF0000"/>
+                </a:solidFill>
+              </a:rPr>
+              <a:t>Wait a bit</a:t>
+            </a:r>
+          </a:p>
+        </p:txBody>
+      </p:sp>
+      <p:sp>
+        <p:nvSpPr>
+          <p:cNvPr id="25" name="TextBox 24">
+            <a:extLst>
+              <a:ext uri="{FF2B5EF4-FFF2-40B4-BE49-F238E27FC236}">
+                <a16:creationId xmlns:a16="http://schemas.microsoft.com/office/drawing/2014/main" id="{8AFDDF89-0022-9E46-30AC-9F7BBB6308CB}"/>
+              </a:ext>
+            </a:extLst>
+          </p:cNvPr>
+          <p:cNvSpPr txBox="1"/>
+          <p:nvPr/>
+        </p:nvSpPr>
+        <p:spPr>
+          <a:xfrm>
+            <a:off x="4715850" y="5433057"/>
+            <a:ext cx="1446230" cy="369332"/>
+          </a:xfrm>
+          <a:prstGeom prst="rect">
+            <a:avLst/>
+          </a:prstGeom>
+          <a:noFill/>
+        </p:spPr>
+        <p:txBody>
+          <a:bodyPr wrap="none" rtlCol="0">
+            <a:spAutoFit/>
+          </a:bodyPr>
+          <a:lstStyle/>
+          <a:p>
+            <a:r>
+              <a:rPr lang="en-US" b="1" dirty="0">
+                <a:solidFill>
+                  <a:srgbClr val="FF0000"/>
+                </a:solidFill>
+              </a:rPr>
+              <a:t>Then run this</a:t>
+            </a:r>
+          </a:p>
+        </p:txBody>
+      </p:sp>
     </p:spTree>
     <p:extLst>
       <p:ext uri="{BB962C8B-B14F-4D97-AF65-F5344CB8AC3E}">

--- a/_media_srcs/images.pptx
+++ b/_media_srcs/images.pptx
@@ -8,6 +8,7 @@
     <p:sldId id="256" r:id="rId2"/>
     <p:sldId id="257" r:id="rId3"/>
     <p:sldId id="258" r:id="rId4"/>
+    <p:sldId id="259" r:id="rId5"/>
   </p:sldIdLst>
   <p:sldSz cx="12192000" cy="6858000"/>
   <p:notesSz cx="6858000" cy="9144000"/>
@@ -261,7 +262,7 @@
           <a:p>
             <a:fld id="{02B29F35-8620-47AD-B506-1B772581C455}" type="datetimeFigureOut">
               <a:rPr lang="en-US" smtClean="0"/>
-              <a:t>5/5/2023</a:t>
+              <a:t>5/9/2023</a:t>
             </a:fld>
             <a:endParaRPr lang="en-US"/>
           </a:p>
@@ -459,7 +460,7 @@
           <a:p>
             <a:fld id="{02B29F35-8620-47AD-B506-1B772581C455}" type="datetimeFigureOut">
               <a:rPr lang="en-US" smtClean="0"/>
-              <a:t>5/5/2023</a:t>
+              <a:t>5/9/2023</a:t>
             </a:fld>
             <a:endParaRPr lang="en-US"/>
           </a:p>
@@ -667,7 +668,7 @@
           <a:p>
             <a:fld id="{02B29F35-8620-47AD-B506-1B772581C455}" type="datetimeFigureOut">
               <a:rPr lang="en-US" smtClean="0"/>
-              <a:t>5/5/2023</a:t>
+              <a:t>5/9/2023</a:t>
             </a:fld>
             <a:endParaRPr lang="en-US"/>
           </a:p>
@@ -865,7 +866,7 @@
           <a:p>
             <a:fld id="{02B29F35-8620-47AD-B506-1B772581C455}" type="datetimeFigureOut">
               <a:rPr lang="en-US" smtClean="0"/>
-              <a:t>5/5/2023</a:t>
+              <a:t>5/9/2023</a:t>
             </a:fld>
             <a:endParaRPr lang="en-US"/>
           </a:p>
@@ -1140,7 +1141,7 @@
           <a:p>
             <a:fld id="{02B29F35-8620-47AD-B506-1B772581C455}" type="datetimeFigureOut">
               <a:rPr lang="en-US" smtClean="0"/>
-              <a:t>5/5/2023</a:t>
+              <a:t>5/9/2023</a:t>
             </a:fld>
             <a:endParaRPr lang="en-US"/>
           </a:p>
@@ -1405,7 +1406,7 @@
           <a:p>
             <a:fld id="{02B29F35-8620-47AD-B506-1B772581C455}" type="datetimeFigureOut">
               <a:rPr lang="en-US" smtClean="0"/>
-              <a:t>5/5/2023</a:t>
+              <a:t>5/9/2023</a:t>
             </a:fld>
             <a:endParaRPr lang="en-US"/>
           </a:p>
@@ -1817,7 +1818,7 @@
           <a:p>
             <a:fld id="{02B29F35-8620-47AD-B506-1B772581C455}" type="datetimeFigureOut">
               <a:rPr lang="en-US" smtClean="0"/>
-              <a:t>5/5/2023</a:t>
+              <a:t>5/9/2023</a:t>
             </a:fld>
             <a:endParaRPr lang="en-US"/>
           </a:p>
@@ -1958,7 +1959,7 @@
           <a:p>
             <a:fld id="{02B29F35-8620-47AD-B506-1B772581C455}" type="datetimeFigureOut">
               <a:rPr lang="en-US" smtClean="0"/>
-              <a:t>5/5/2023</a:t>
+              <a:t>5/9/2023</a:t>
             </a:fld>
             <a:endParaRPr lang="en-US"/>
           </a:p>
@@ -2071,7 +2072,7 @@
           <a:p>
             <a:fld id="{02B29F35-8620-47AD-B506-1B772581C455}" type="datetimeFigureOut">
               <a:rPr lang="en-US" smtClean="0"/>
-              <a:t>5/5/2023</a:t>
+              <a:t>5/9/2023</a:t>
             </a:fld>
             <a:endParaRPr lang="en-US"/>
           </a:p>
@@ -2382,7 +2383,7 @@
           <a:p>
             <a:fld id="{02B29F35-8620-47AD-B506-1B772581C455}" type="datetimeFigureOut">
               <a:rPr lang="en-US" smtClean="0"/>
-              <a:t>5/5/2023</a:t>
+              <a:t>5/9/2023</a:t>
             </a:fld>
             <a:endParaRPr lang="en-US"/>
           </a:p>
@@ -2670,7 +2671,7 @@
           <a:p>
             <a:fld id="{02B29F35-8620-47AD-B506-1B772581C455}" type="datetimeFigureOut">
               <a:rPr lang="en-US" smtClean="0"/>
-              <a:t>5/5/2023</a:t>
+              <a:t>5/9/2023</a:t>
             </a:fld>
             <a:endParaRPr lang="en-US"/>
           </a:p>
@@ -2911,7 +2912,7 @@
           <a:p>
             <a:fld id="{02B29F35-8620-47AD-B506-1B772581C455}" type="datetimeFigureOut">
               <a:rPr lang="en-US" smtClean="0"/>
-              <a:t>5/5/2023</a:t>
+              <a:t>5/9/2023</a:t>
             </a:fld>
             <a:endParaRPr lang="en-US"/>
           </a:p>
@@ -4760,6 +4761,95 @@
 </p:sld>
 </file>
 
+<file path=ppt/slides/slide4.xml><?xml version="1.0" encoding="utf-8"?>
+<p:sld xmlns:a="http://schemas.openxmlformats.org/drawingml/2006/main" xmlns:r="http://schemas.openxmlformats.org/officeDocument/2006/relationships" xmlns:p="http://schemas.openxmlformats.org/presentationml/2006/main">
+  <p:cSld>
+    <p:spTree>
+      <p:nvGrpSpPr>
+        <p:cNvPr id="1" name=""/>
+        <p:cNvGrpSpPr/>
+        <p:nvPr/>
+      </p:nvGrpSpPr>
+      <p:grpSpPr>
+        <a:xfrm>
+          <a:off x="0" y="0"/>
+          <a:ext cx="0" cy="0"/>
+          <a:chOff x="0" y="0"/>
+          <a:chExt cx="0" cy="0"/>
+        </a:xfrm>
+      </p:grpSpPr>
+      <p:pic>
+        <p:nvPicPr>
+          <p:cNvPr id="5" name="Picture 4">
+            <a:extLst>
+              <a:ext uri="{FF2B5EF4-FFF2-40B4-BE49-F238E27FC236}">
+                <a16:creationId xmlns:a16="http://schemas.microsoft.com/office/drawing/2014/main" id="{E67AAFE5-1CDF-5E07-58BB-CC1DC89511D2}"/>
+              </a:ext>
+            </a:extLst>
+          </p:cNvPr>
+          <p:cNvPicPr>
+            <a:picLocks noChangeAspect="1"/>
+          </p:cNvPicPr>
+          <p:nvPr/>
+        </p:nvPicPr>
+        <p:blipFill rotWithShape="1">
+          <a:blip r:embed="rId2"/>
+          <a:srcRect t="2374"/>
+          <a:stretch/>
+        </p:blipFill>
+        <p:spPr>
+          <a:xfrm>
+            <a:off x="789446" y="790832"/>
+            <a:ext cx="3829247" cy="886535"/>
+          </a:xfrm>
+          <a:prstGeom prst="rect">
+            <a:avLst/>
+          </a:prstGeom>
+        </p:spPr>
+      </p:pic>
+      <p:pic>
+        <p:nvPicPr>
+          <p:cNvPr id="9" name="Picture 8">
+            <a:extLst>
+              <a:ext uri="{FF2B5EF4-FFF2-40B4-BE49-F238E27FC236}">
+                <a16:creationId xmlns:a16="http://schemas.microsoft.com/office/drawing/2014/main" id="{2D3860FE-009C-D00E-BE38-264E7608513D}"/>
+              </a:ext>
+            </a:extLst>
+          </p:cNvPr>
+          <p:cNvPicPr>
+            <a:picLocks noChangeAspect="1"/>
+          </p:cNvPicPr>
+          <p:nvPr/>
+        </p:nvPicPr>
+        <p:blipFill>
+          <a:blip r:embed="rId3"/>
+          <a:stretch>
+            <a:fillRect/>
+          </a:stretch>
+        </p:blipFill>
+        <p:spPr>
+          <a:xfrm>
+            <a:off x="789446" y="2263272"/>
+            <a:ext cx="5004057" cy="1454225"/>
+          </a:xfrm>
+          <a:prstGeom prst="rect">
+            <a:avLst/>
+          </a:prstGeom>
+        </p:spPr>
+      </p:pic>
+    </p:spTree>
+    <p:extLst>
+      <p:ext uri="{BB962C8B-B14F-4D97-AF65-F5344CB8AC3E}">
+        <p14:creationId xmlns:p14="http://schemas.microsoft.com/office/powerpoint/2010/main" val="969640659"/>
+      </p:ext>
+    </p:extLst>
+  </p:cSld>
+  <p:clrMapOvr>
+    <a:masterClrMapping/>
+  </p:clrMapOvr>
+</p:sld>
+</file>
+
 <file path=ppt/theme/theme1.xml><?xml version="1.0" encoding="utf-8"?>
 <a:theme xmlns:a="http://schemas.openxmlformats.org/drawingml/2006/main" name="Office Theme">
   <a:themeElements>

--- a/_media_srcs/images.pptx
+++ b/_media_srcs/images.pptx
@@ -9,6 +9,7 @@
     <p:sldId id="257" r:id="rId3"/>
     <p:sldId id="258" r:id="rId4"/>
     <p:sldId id="259" r:id="rId5"/>
+    <p:sldId id="260" r:id="rId6"/>
   </p:sldIdLst>
   <p:sldSz cx="12192000" cy="6858000"/>
   <p:notesSz cx="6858000" cy="9144000"/>
@@ -4850,6 +4851,1275 @@
 </p:sld>
 </file>
 
+<file path=ppt/slides/slide5.xml><?xml version="1.0" encoding="utf-8"?>
+<p:sld xmlns:a="http://schemas.openxmlformats.org/drawingml/2006/main" xmlns:r="http://schemas.openxmlformats.org/officeDocument/2006/relationships" xmlns:p="http://schemas.openxmlformats.org/presentationml/2006/main">
+  <p:cSld>
+    <p:spTree>
+      <p:nvGrpSpPr>
+        <p:cNvPr id="1" name=""/>
+        <p:cNvGrpSpPr/>
+        <p:nvPr/>
+      </p:nvGrpSpPr>
+      <p:grpSpPr>
+        <a:xfrm>
+          <a:off x="0" y="0"/>
+          <a:ext cx="0" cy="0"/>
+          <a:chOff x="0" y="0"/>
+          <a:chExt cx="0" cy="0"/>
+        </a:xfrm>
+      </p:grpSpPr>
+      <p:pic>
+        <p:nvPicPr>
+          <p:cNvPr id="68" name="Picture 67">
+            <a:extLst>
+              <a:ext uri="{FF2B5EF4-FFF2-40B4-BE49-F238E27FC236}">
+                <a16:creationId xmlns:a16="http://schemas.microsoft.com/office/drawing/2014/main" id="{CE5CDA2D-F2D4-FCC1-BF11-14C63D66295F}"/>
+              </a:ext>
+            </a:extLst>
+          </p:cNvPr>
+          <p:cNvPicPr>
+            <a:picLocks noChangeAspect="1"/>
+          </p:cNvPicPr>
+          <p:nvPr/>
+        </p:nvPicPr>
+        <p:blipFill>
+          <a:blip r:embed="rId2"/>
+          <a:stretch>
+            <a:fillRect/>
+          </a:stretch>
+        </p:blipFill>
+        <p:spPr>
+          <a:xfrm>
+            <a:off x="6682218" y="1252887"/>
+            <a:ext cx="3702240" cy="4203916"/>
+          </a:xfrm>
+          <a:prstGeom prst="rect">
+            <a:avLst/>
+          </a:prstGeom>
+        </p:spPr>
+      </p:pic>
+      <p:pic>
+        <p:nvPicPr>
+          <p:cNvPr id="5" name="Picture 4">
+            <a:extLst>
+              <a:ext uri="{FF2B5EF4-FFF2-40B4-BE49-F238E27FC236}">
+                <a16:creationId xmlns:a16="http://schemas.microsoft.com/office/drawing/2014/main" id="{1C8CAA23-4336-4E5E-D14C-06434ADA3D79}"/>
+              </a:ext>
+            </a:extLst>
+          </p:cNvPr>
+          <p:cNvPicPr>
+            <a:picLocks noChangeAspect="1"/>
+          </p:cNvPicPr>
+          <p:nvPr/>
+        </p:nvPicPr>
+        <p:blipFill>
+          <a:blip r:embed="rId3"/>
+          <a:stretch>
+            <a:fillRect/>
+          </a:stretch>
+        </p:blipFill>
+        <p:spPr>
+          <a:xfrm>
+            <a:off x="1313709" y="1116458"/>
+            <a:ext cx="3924502" cy="3918151"/>
+          </a:xfrm>
+          <a:prstGeom prst="rect">
+            <a:avLst/>
+          </a:prstGeom>
+        </p:spPr>
+      </p:pic>
+      <p:sp>
+        <p:nvSpPr>
+          <p:cNvPr id="12" name="Rectangle 11">
+            <a:extLst>
+              <a:ext uri="{FF2B5EF4-FFF2-40B4-BE49-F238E27FC236}">
+                <a16:creationId xmlns:a16="http://schemas.microsoft.com/office/drawing/2014/main" id="{F8B4F332-2DBC-E52A-5A12-42443BC75C57}"/>
+              </a:ext>
+            </a:extLst>
+          </p:cNvPr>
+          <p:cNvSpPr/>
+          <p:nvPr/>
+        </p:nvSpPr>
+        <p:spPr>
+          <a:xfrm>
+            <a:off x="1381672" y="1376480"/>
+            <a:ext cx="45719" cy="92676"/>
+          </a:xfrm>
+          <a:prstGeom prst="rect">
+            <a:avLst/>
+          </a:prstGeom>
+          <a:noFill/>
+          <a:ln>
+            <a:noFill/>
+          </a:ln>
+        </p:spPr>
+        <p:style>
+          <a:lnRef idx="2">
+            <a:schemeClr val="accent1">
+              <a:shade val="50000"/>
+            </a:schemeClr>
+          </a:lnRef>
+          <a:fillRef idx="1">
+            <a:schemeClr val="accent1"/>
+          </a:fillRef>
+          <a:effectRef idx="0">
+            <a:schemeClr val="accent1"/>
+          </a:effectRef>
+          <a:fontRef idx="minor">
+            <a:schemeClr val="lt1"/>
+          </a:fontRef>
+        </p:style>
+        <p:txBody>
+          <a:bodyPr rtlCol="0" anchor="ctr"/>
+          <a:lstStyle/>
+          <a:p>
+            <a:pPr algn="ctr"/>
+            <a:endParaRPr lang="en-US"/>
+          </a:p>
+        </p:txBody>
+      </p:sp>
+      <p:sp>
+        <p:nvSpPr>
+          <p:cNvPr id="13" name="Rectangle 12">
+            <a:extLst>
+              <a:ext uri="{FF2B5EF4-FFF2-40B4-BE49-F238E27FC236}">
+                <a16:creationId xmlns:a16="http://schemas.microsoft.com/office/drawing/2014/main" id="{739D2422-9CA2-18D1-0BCE-397C7C3ECE72}"/>
+              </a:ext>
+            </a:extLst>
+          </p:cNvPr>
+          <p:cNvSpPr/>
+          <p:nvPr/>
+        </p:nvSpPr>
+        <p:spPr>
+          <a:xfrm>
+            <a:off x="1369316" y="4086736"/>
+            <a:ext cx="45719" cy="92676"/>
+          </a:xfrm>
+          <a:prstGeom prst="rect">
+            <a:avLst/>
+          </a:prstGeom>
+          <a:noFill/>
+          <a:ln>
+            <a:noFill/>
+          </a:ln>
+        </p:spPr>
+        <p:style>
+          <a:lnRef idx="2">
+            <a:schemeClr val="accent1">
+              <a:shade val="50000"/>
+            </a:schemeClr>
+          </a:lnRef>
+          <a:fillRef idx="1">
+            <a:schemeClr val="accent1"/>
+          </a:fillRef>
+          <a:effectRef idx="0">
+            <a:schemeClr val="accent1"/>
+          </a:effectRef>
+          <a:fontRef idx="minor">
+            <a:schemeClr val="lt1"/>
+          </a:fontRef>
+        </p:style>
+        <p:txBody>
+          <a:bodyPr rtlCol="0" anchor="ctr"/>
+          <a:lstStyle/>
+          <a:p>
+            <a:pPr algn="ctr"/>
+            <a:endParaRPr lang="en-US"/>
+          </a:p>
+        </p:txBody>
+      </p:sp>
+      <p:sp>
+        <p:nvSpPr>
+          <p:cNvPr id="14" name="Rectangle 13">
+            <a:extLst>
+              <a:ext uri="{FF2B5EF4-FFF2-40B4-BE49-F238E27FC236}">
+                <a16:creationId xmlns:a16="http://schemas.microsoft.com/office/drawing/2014/main" id="{01F1671E-989D-3FA5-CDA8-99363A36D662}"/>
+              </a:ext>
+            </a:extLst>
+          </p:cNvPr>
+          <p:cNvSpPr/>
+          <p:nvPr/>
+        </p:nvSpPr>
+        <p:spPr>
+          <a:xfrm>
+            <a:off x="1369316" y="4517162"/>
+            <a:ext cx="45719" cy="92676"/>
+          </a:xfrm>
+          <a:prstGeom prst="rect">
+            <a:avLst/>
+          </a:prstGeom>
+          <a:noFill/>
+          <a:ln>
+            <a:noFill/>
+          </a:ln>
+        </p:spPr>
+        <p:style>
+          <a:lnRef idx="2">
+            <a:schemeClr val="accent1">
+              <a:shade val="50000"/>
+            </a:schemeClr>
+          </a:lnRef>
+          <a:fillRef idx="1">
+            <a:schemeClr val="accent1"/>
+          </a:fillRef>
+          <a:effectRef idx="0">
+            <a:schemeClr val="accent1"/>
+          </a:effectRef>
+          <a:fontRef idx="minor">
+            <a:schemeClr val="lt1"/>
+          </a:fontRef>
+        </p:style>
+        <p:txBody>
+          <a:bodyPr rtlCol="0" anchor="ctr"/>
+          <a:lstStyle/>
+          <a:p>
+            <a:pPr algn="ctr"/>
+            <a:endParaRPr lang="en-US"/>
+          </a:p>
+        </p:txBody>
+      </p:sp>
+      <p:cxnSp>
+        <p:nvCxnSpPr>
+          <p:cNvPr id="19" name="Connector: Elbow 18">
+            <a:extLst>
+              <a:ext uri="{FF2B5EF4-FFF2-40B4-BE49-F238E27FC236}">
+                <a16:creationId xmlns:a16="http://schemas.microsoft.com/office/drawing/2014/main" id="{481888DE-AE9A-E5CC-8836-CBD6CE66B0B6}"/>
+              </a:ext>
+            </a:extLst>
+          </p:cNvPr>
+          <p:cNvCxnSpPr>
+            <a:cxnSpLocks/>
+            <a:stCxn id="13" idx="2"/>
+            <a:endCxn id="12" idx="1"/>
+          </p:cNvCxnSpPr>
+          <p:nvPr/>
+        </p:nvCxnSpPr>
+        <p:spPr>
+          <a:xfrm rot="5400000" flipH="1">
+            <a:off x="8627" y="2795863"/>
+            <a:ext cx="2756594" cy="10504"/>
+          </a:xfrm>
+          <a:prstGeom prst="bentConnector4">
+            <a:avLst>
+              <a:gd name="adj1" fmla="val 705"/>
+              <a:gd name="adj2" fmla="val 3923248"/>
+            </a:avLst>
+          </a:prstGeom>
+          <a:ln w="38100">
+            <a:solidFill>
+              <a:schemeClr val="accent2"/>
+            </a:solidFill>
+            <a:tailEnd type="triangle"/>
+          </a:ln>
+        </p:spPr>
+        <p:style>
+          <a:lnRef idx="1">
+            <a:schemeClr val="accent1"/>
+          </a:lnRef>
+          <a:fillRef idx="0">
+            <a:schemeClr val="accent1"/>
+          </a:fillRef>
+          <a:effectRef idx="0">
+            <a:schemeClr val="accent1"/>
+          </a:effectRef>
+          <a:fontRef idx="minor">
+            <a:schemeClr val="tx1"/>
+          </a:fontRef>
+        </p:style>
+      </p:cxnSp>
+      <p:sp>
+        <p:nvSpPr>
+          <p:cNvPr id="21" name="TextBox 20">
+            <a:extLst>
+              <a:ext uri="{FF2B5EF4-FFF2-40B4-BE49-F238E27FC236}">
+                <a16:creationId xmlns:a16="http://schemas.microsoft.com/office/drawing/2014/main" id="{D9487AED-2000-D975-F06C-AAF0B2CF0533}"/>
+              </a:ext>
+            </a:extLst>
+          </p:cNvPr>
+          <p:cNvSpPr txBox="1"/>
+          <p:nvPr/>
+        </p:nvSpPr>
+        <p:spPr>
+          <a:xfrm>
+            <a:off x="1369316" y="3948408"/>
+            <a:ext cx="301686" cy="369332"/>
+          </a:xfrm>
+          <a:prstGeom prst="rect">
+            <a:avLst/>
+          </a:prstGeom>
+          <a:noFill/>
+        </p:spPr>
+        <p:txBody>
+          <a:bodyPr wrap="none" rtlCol="0">
+            <a:spAutoFit/>
+          </a:bodyPr>
+          <a:lstStyle/>
+          <a:p>
+            <a:r>
+              <a:rPr lang="en-US" b="1" dirty="0">
+                <a:solidFill>
+                  <a:schemeClr val="accent2"/>
+                </a:solidFill>
+              </a:rPr>
+              <a:t>1</a:t>
+            </a:r>
+          </a:p>
+        </p:txBody>
+      </p:sp>
+      <p:cxnSp>
+        <p:nvCxnSpPr>
+          <p:cNvPr id="24" name="Straight Arrow Connector 23">
+            <a:extLst>
+              <a:ext uri="{FF2B5EF4-FFF2-40B4-BE49-F238E27FC236}">
+                <a16:creationId xmlns:a16="http://schemas.microsoft.com/office/drawing/2014/main" id="{2A29B345-93F5-480F-EB01-E5973C40C0C0}"/>
+              </a:ext>
+            </a:extLst>
+          </p:cNvPr>
+          <p:cNvCxnSpPr/>
+          <p:nvPr/>
+        </p:nvCxnSpPr>
+        <p:spPr>
+          <a:xfrm>
+            <a:off x="1456890" y="1410462"/>
+            <a:ext cx="0" cy="664175"/>
+          </a:xfrm>
+          <a:prstGeom prst="straightConnector1">
+            <a:avLst/>
+          </a:prstGeom>
+          <a:ln w="38100">
+            <a:solidFill>
+              <a:schemeClr val="accent2"/>
+            </a:solidFill>
+            <a:tailEnd type="triangle"/>
+          </a:ln>
+        </p:spPr>
+        <p:style>
+          <a:lnRef idx="1">
+            <a:schemeClr val="accent1"/>
+          </a:lnRef>
+          <a:fillRef idx="0">
+            <a:schemeClr val="accent1"/>
+          </a:fillRef>
+          <a:effectRef idx="0">
+            <a:schemeClr val="accent1"/>
+          </a:effectRef>
+          <a:fontRef idx="minor">
+            <a:schemeClr val="tx1"/>
+          </a:fontRef>
+        </p:style>
+      </p:cxnSp>
+      <p:sp>
+        <p:nvSpPr>
+          <p:cNvPr id="25" name="Rectangle 24">
+            <a:extLst>
+              <a:ext uri="{FF2B5EF4-FFF2-40B4-BE49-F238E27FC236}">
+                <a16:creationId xmlns:a16="http://schemas.microsoft.com/office/drawing/2014/main" id="{B18C7E2E-290B-4F8E-2D5C-061B8330FC93}"/>
+              </a:ext>
+            </a:extLst>
+          </p:cNvPr>
+          <p:cNvSpPr/>
+          <p:nvPr/>
+        </p:nvSpPr>
+        <p:spPr>
+          <a:xfrm>
+            <a:off x="1406388" y="2723371"/>
+            <a:ext cx="45719" cy="92676"/>
+          </a:xfrm>
+          <a:prstGeom prst="rect">
+            <a:avLst/>
+          </a:prstGeom>
+          <a:noFill/>
+          <a:ln>
+            <a:noFill/>
+          </a:ln>
+        </p:spPr>
+        <p:style>
+          <a:lnRef idx="2">
+            <a:schemeClr val="accent1">
+              <a:shade val="50000"/>
+            </a:schemeClr>
+          </a:lnRef>
+          <a:fillRef idx="1">
+            <a:schemeClr val="accent1"/>
+          </a:fillRef>
+          <a:effectRef idx="0">
+            <a:schemeClr val="accent1"/>
+          </a:effectRef>
+          <a:fontRef idx="minor">
+            <a:schemeClr val="lt1"/>
+          </a:fontRef>
+        </p:style>
+        <p:txBody>
+          <a:bodyPr rtlCol="0" anchor="ctr"/>
+          <a:lstStyle/>
+          <a:p>
+            <a:pPr algn="ctr"/>
+            <a:endParaRPr lang="en-US"/>
+          </a:p>
+        </p:txBody>
+      </p:sp>
+      <p:cxnSp>
+        <p:nvCxnSpPr>
+          <p:cNvPr id="26" name="Connector: Elbow 25">
+            <a:extLst>
+              <a:ext uri="{FF2B5EF4-FFF2-40B4-BE49-F238E27FC236}">
+                <a16:creationId xmlns:a16="http://schemas.microsoft.com/office/drawing/2014/main" id="{A7DE2C68-D03A-7E45-B253-15D63FED3C51}"/>
+              </a:ext>
+            </a:extLst>
+          </p:cNvPr>
+          <p:cNvCxnSpPr>
+            <a:cxnSpLocks/>
+            <a:stCxn id="14" idx="1"/>
+            <a:endCxn id="25" idx="1"/>
+          </p:cNvCxnSpPr>
+          <p:nvPr/>
+        </p:nvCxnSpPr>
+        <p:spPr>
+          <a:xfrm rot="10800000" flipH="1">
+            <a:off x="1369316" y="2769710"/>
+            <a:ext cx="37072" cy="1793791"/>
+          </a:xfrm>
+          <a:prstGeom prst="bentConnector3">
+            <a:avLst>
+              <a:gd name="adj1" fmla="val -616638"/>
+            </a:avLst>
+          </a:prstGeom>
+          <a:ln w="38100">
+            <a:solidFill>
+              <a:schemeClr val="accent6"/>
+            </a:solidFill>
+            <a:tailEnd type="triangle"/>
+          </a:ln>
+        </p:spPr>
+        <p:style>
+          <a:lnRef idx="1">
+            <a:schemeClr val="accent1"/>
+          </a:lnRef>
+          <a:fillRef idx="0">
+            <a:schemeClr val="accent1"/>
+          </a:fillRef>
+          <a:effectRef idx="0">
+            <a:schemeClr val="accent1"/>
+          </a:effectRef>
+          <a:fontRef idx="minor">
+            <a:schemeClr val="tx1"/>
+          </a:fontRef>
+        </p:style>
+      </p:cxnSp>
+      <p:cxnSp>
+        <p:nvCxnSpPr>
+          <p:cNvPr id="30" name="Straight Arrow Connector 29">
+            <a:extLst>
+              <a:ext uri="{FF2B5EF4-FFF2-40B4-BE49-F238E27FC236}">
+                <a16:creationId xmlns:a16="http://schemas.microsoft.com/office/drawing/2014/main" id="{7B1D3DB0-2496-9EA7-E8DD-24A74B6967EC}"/>
+              </a:ext>
+            </a:extLst>
+          </p:cNvPr>
+          <p:cNvCxnSpPr/>
+          <p:nvPr/>
+        </p:nvCxnSpPr>
+        <p:spPr>
+          <a:xfrm>
+            <a:off x="1454988" y="2723371"/>
+            <a:ext cx="0" cy="664175"/>
+          </a:xfrm>
+          <a:prstGeom prst="straightConnector1">
+            <a:avLst/>
+          </a:prstGeom>
+          <a:ln w="38100">
+            <a:solidFill>
+              <a:schemeClr val="accent6"/>
+            </a:solidFill>
+            <a:tailEnd type="triangle"/>
+          </a:ln>
+        </p:spPr>
+        <p:style>
+          <a:lnRef idx="1">
+            <a:schemeClr val="accent1"/>
+          </a:lnRef>
+          <a:fillRef idx="0">
+            <a:schemeClr val="accent1"/>
+          </a:fillRef>
+          <a:effectRef idx="0">
+            <a:schemeClr val="accent1"/>
+          </a:effectRef>
+          <a:fontRef idx="minor">
+            <a:schemeClr val="tx1"/>
+          </a:fontRef>
+        </p:style>
+      </p:cxnSp>
+      <p:sp>
+        <p:nvSpPr>
+          <p:cNvPr id="31" name="TextBox 30">
+            <a:extLst>
+              <a:ext uri="{FF2B5EF4-FFF2-40B4-BE49-F238E27FC236}">
+                <a16:creationId xmlns:a16="http://schemas.microsoft.com/office/drawing/2014/main" id="{3B9FB168-AE36-F73A-1770-3462A184B78B}"/>
+              </a:ext>
+            </a:extLst>
+          </p:cNvPr>
+          <p:cNvSpPr txBox="1"/>
+          <p:nvPr/>
+        </p:nvSpPr>
+        <p:spPr>
+          <a:xfrm>
+            <a:off x="1369316" y="4156411"/>
+            <a:ext cx="301686" cy="369332"/>
+          </a:xfrm>
+          <a:prstGeom prst="rect">
+            <a:avLst/>
+          </a:prstGeom>
+          <a:noFill/>
+        </p:spPr>
+        <p:txBody>
+          <a:bodyPr wrap="none" rtlCol="0">
+            <a:spAutoFit/>
+          </a:bodyPr>
+          <a:lstStyle/>
+          <a:p>
+            <a:r>
+              <a:rPr lang="en-US" b="1" dirty="0">
+                <a:solidFill>
+                  <a:schemeClr val="accent1"/>
+                </a:solidFill>
+              </a:rPr>
+              <a:t>2</a:t>
+            </a:r>
+          </a:p>
+        </p:txBody>
+      </p:sp>
+      <p:sp>
+        <p:nvSpPr>
+          <p:cNvPr id="32" name="TextBox 31">
+            <a:extLst>
+              <a:ext uri="{FF2B5EF4-FFF2-40B4-BE49-F238E27FC236}">
+                <a16:creationId xmlns:a16="http://schemas.microsoft.com/office/drawing/2014/main" id="{E0826220-FBF2-961E-1EDB-3599EEB3403F}"/>
+              </a:ext>
+            </a:extLst>
+          </p:cNvPr>
+          <p:cNvSpPr txBox="1"/>
+          <p:nvPr/>
+        </p:nvSpPr>
+        <p:spPr>
+          <a:xfrm>
+            <a:off x="1369316" y="4370595"/>
+            <a:ext cx="301686" cy="369332"/>
+          </a:xfrm>
+          <a:prstGeom prst="rect">
+            <a:avLst/>
+          </a:prstGeom>
+          <a:noFill/>
+        </p:spPr>
+        <p:txBody>
+          <a:bodyPr wrap="none" rtlCol="0">
+            <a:spAutoFit/>
+          </a:bodyPr>
+          <a:lstStyle/>
+          <a:p>
+            <a:r>
+              <a:rPr lang="en-US" b="1" dirty="0">
+                <a:solidFill>
+                  <a:schemeClr val="accent6"/>
+                </a:solidFill>
+              </a:rPr>
+              <a:t>3</a:t>
+            </a:r>
+          </a:p>
+        </p:txBody>
+      </p:sp>
+      <p:sp>
+        <p:nvSpPr>
+          <p:cNvPr id="45" name="Rectangle 44">
+            <a:extLst>
+              <a:ext uri="{FF2B5EF4-FFF2-40B4-BE49-F238E27FC236}">
+                <a16:creationId xmlns:a16="http://schemas.microsoft.com/office/drawing/2014/main" id="{9CA4F3E3-2394-5066-854B-DFAB676BAA97}"/>
+              </a:ext>
+            </a:extLst>
+          </p:cNvPr>
+          <p:cNvSpPr/>
+          <p:nvPr/>
+        </p:nvSpPr>
+        <p:spPr>
+          <a:xfrm>
+            <a:off x="6697743" y="3240927"/>
+            <a:ext cx="45719" cy="92676"/>
+          </a:xfrm>
+          <a:prstGeom prst="rect">
+            <a:avLst/>
+          </a:prstGeom>
+          <a:solidFill>
+            <a:schemeClr val="bg1"/>
+          </a:solidFill>
+          <a:ln>
+            <a:noFill/>
+          </a:ln>
+        </p:spPr>
+        <p:style>
+          <a:lnRef idx="2">
+            <a:schemeClr val="accent1">
+              <a:shade val="50000"/>
+            </a:schemeClr>
+          </a:lnRef>
+          <a:fillRef idx="1">
+            <a:schemeClr val="accent1"/>
+          </a:fillRef>
+          <a:effectRef idx="0">
+            <a:schemeClr val="accent1"/>
+          </a:effectRef>
+          <a:fontRef idx="minor">
+            <a:schemeClr val="lt1"/>
+          </a:fontRef>
+        </p:style>
+        <p:txBody>
+          <a:bodyPr rtlCol="0" anchor="ctr"/>
+          <a:lstStyle/>
+          <a:p>
+            <a:pPr algn="ctr"/>
+            <a:endParaRPr lang="en-US"/>
+          </a:p>
+        </p:txBody>
+      </p:sp>
+      <p:cxnSp>
+        <p:nvCxnSpPr>
+          <p:cNvPr id="46" name="Straight Arrow Connector 45">
+            <a:extLst>
+              <a:ext uri="{FF2B5EF4-FFF2-40B4-BE49-F238E27FC236}">
+                <a16:creationId xmlns:a16="http://schemas.microsoft.com/office/drawing/2014/main" id="{E1C6B3BE-6BEF-1104-4D16-B246937C2F26}"/>
+              </a:ext>
+            </a:extLst>
+          </p:cNvPr>
+          <p:cNvCxnSpPr/>
+          <p:nvPr/>
+        </p:nvCxnSpPr>
+        <p:spPr>
+          <a:xfrm>
+            <a:off x="6772961" y="3215101"/>
+            <a:ext cx="0" cy="664175"/>
+          </a:xfrm>
+          <a:prstGeom prst="straightConnector1">
+            <a:avLst/>
+          </a:prstGeom>
+          <a:ln w="38100">
+            <a:solidFill>
+              <a:schemeClr val="accent6"/>
+            </a:solidFill>
+            <a:tailEnd type="triangle"/>
+          </a:ln>
+        </p:spPr>
+        <p:style>
+          <a:lnRef idx="1">
+            <a:schemeClr val="accent1"/>
+          </a:lnRef>
+          <a:fillRef idx="0">
+            <a:schemeClr val="accent1"/>
+          </a:fillRef>
+          <a:effectRef idx="0">
+            <a:schemeClr val="accent1"/>
+          </a:effectRef>
+          <a:fontRef idx="minor">
+            <a:schemeClr val="tx1"/>
+          </a:fontRef>
+        </p:style>
+      </p:cxnSp>
+      <p:sp>
+        <p:nvSpPr>
+          <p:cNvPr id="47" name="Rectangle 46">
+            <a:extLst>
+              <a:ext uri="{FF2B5EF4-FFF2-40B4-BE49-F238E27FC236}">
+                <a16:creationId xmlns:a16="http://schemas.microsoft.com/office/drawing/2014/main" id="{CFDE36E2-4132-F825-560C-422800EB44E7}"/>
+              </a:ext>
+            </a:extLst>
+          </p:cNvPr>
+          <p:cNvSpPr/>
+          <p:nvPr/>
+        </p:nvSpPr>
+        <p:spPr>
+          <a:xfrm>
+            <a:off x="6707789" y="4610329"/>
+            <a:ext cx="45719" cy="92676"/>
+          </a:xfrm>
+          <a:prstGeom prst="rect">
+            <a:avLst/>
+          </a:prstGeom>
+          <a:solidFill>
+            <a:schemeClr val="bg1"/>
+          </a:solidFill>
+          <a:ln>
+            <a:noFill/>
+          </a:ln>
+        </p:spPr>
+        <p:style>
+          <a:lnRef idx="2">
+            <a:schemeClr val="accent1">
+              <a:shade val="50000"/>
+            </a:schemeClr>
+          </a:lnRef>
+          <a:fillRef idx="1">
+            <a:schemeClr val="accent1"/>
+          </a:fillRef>
+          <a:effectRef idx="0">
+            <a:schemeClr val="accent1"/>
+          </a:effectRef>
+          <a:fontRef idx="minor">
+            <a:schemeClr val="lt1"/>
+          </a:fontRef>
+        </p:style>
+        <p:txBody>
+          <a:bodyPr rtlCol="0" anchor="ctr"/>
+          <a:lstStyle/>
+          <a:p>
+            <a:pPr algn="ctr"/>
+            <a:endParaRPr lang="en-US"/>
+          </a:p>
+        </p:txBody>
+      </p:sp>
+      <p:cxnSp>
+        <p:nvCxnSpPr>
+          <p:cNvPr id="48" name="Straight Arrow Connector 47">
+            <a:extLst>
+              <a:ext uri="{FF2B5EF4-FFF2-40B4-BE49-F238E27FC236}">
+                <a16:creationId xmlns:a16="http://schemas.microsoft.com/office/drawing/2014/main" id="{834536EF-17DF-2329-2DA2-06AFCE8640D0}"/>
+              </a:ext>
+            </a:extLst>
+          </p:cNvPr>
+          <p:cNvCxnSpPr>
+            <a:cxnSpLocks/>
+          </p:cNvCxnSpPr>
+          <p:nvPr/>
+        </p:nvCxnSpPr>
+        <p:spPr>
+          <a:xfrm>
+            <a:off x="6768745" y="4494820"/>
+            <a:ext cx="0" cy="691186"/>
+          </a:xfrm>
+          <a:prstGeom prst="straightConnector1">
+            <a:avLst/>
+          </a:prstGeom>
+          <a:ln w="38100">
+            <a:solidFill>
+              <a:srgbClr val="FF0000"/>
+            </a:solidFill>
+            <a:tailEnd type="triangle"/>
+          </a:ln>
+        </p:spPr>
+        <p:style>
+          <a:lnRef idx="1">
+            <a:schemeClr val="accent1"/>
+          </a:lnRef>
+          <a:fillRef idx="0">
+            <a:schemeClr val="accent1"/>
+          </a:fillRef>
+          <a:effectRef idx="0">
+            <a:schemeClr val="accent1"/>
+          </a:effectRef>
+          <a:fontRef idx="minor">
+            <a:schemeClr val="tx1"/>
+          </a:fontRef>
+        </p:style>
+      </p:cxnSp>
+      <p:sp>
+        <p:nvSpPr>
+          <p:cNvPr id="49" name="Rectangle 48">
+            <a:extLst>
+              <a:ext uri="{FF2B5EF4-FFF2-40B4-BE49-F238E27FC236}">
+                <a16:creationId xmlns:a16="http://schemas.microsoft.com/office/drawing/2014/main" id="{0471584A-495D-044F-274E-C92BC68D63C7}"/>
+              </a:ext>
+            </a:extLst>
+          </p:cNvPr>
+          <p:cNvSpPr/>
+          <p:nvPr/>
+        </p:nvSpPr>
+        <p:spPr>
+          <a:xfrm>
+            <a:off x="6642677" y="1546140"/>
+            <a:ext cx="45719" cy="92676"/>
+          </a:xfrm>
+          <a:prstGeom prst="rect">
+            <a:avLst/>
+          </a:prstGeom>
+          <a:solidFill>
+            <a:schemeClr val="bg1"/>
+          </a:solidFill>
+          <a:ln>
+            <a:noFill/>
+          </a:ln>
+        </p:spPr>
+        <p:style>
+          <a:lnRef idx="2">
+            <a:schemeClr val="accent1">
+              <a:shade val="50000"/>
+            </a:schemeClr>
+          </a:lnRef>
+          <a:fillRef idx="1">
+            <a:schemeClr val="accent1"/>
+          </a:fillRef>
+          <a:effectRef idx="0">
+            <a:schemeClr val="accent1"/>
+          </a:effectRef>
+          <a:fontRef idx="minor">
+            <a:schemeClr val="lt1"/>
+          </a:fontRef>
+        </p:style>
+        <p:txBody>
+          <a:bodyPr rtlCol="0" anchor="ctr"/>
+          <a:lstStyle/>
+          <a:p>
+            <a:pPr algn="ctr"/>
+            <a:endParaRPr lang="en-US"/>
+          </a:p>
+        </p:txBody>
+      </p:sp>
+      <p:sp>
+        <p:nvSpPr>
+          <p:cNvPr id="50" name="Rectangle 49">
+            <a:extLst>
+              <a:ext uri="{FF2B5EF4-FFF2-40B4-BE49-F238E27FC236}">
+                <a16:creationId xmlns:a16="http://schemas.microsoft.com/office/drawing/2014/main" id="{AFAC357E-CCAE-9FEE-8ACE-10667E3A73A7}"/>
+              </a:ext>
+            </a:extLst>
+          </p:cNvPr>
+          <p:cNvSpPr/>
+          <p:nvPr/>
+        </p:nvSpPr>
+        <p:spPr>
+          <a:xfrm>
+            <a:off x="6642677" y="1976566"/>
+            <a:ext cx="45719" cy="92676"/>
+          </a:xfrm>
+          <a:prstGeom prst="rect">
+            <a:avLst/>
+          </a:prstGeom>
+          <a:solidFill>
+            <a:schemeClr val="bg1"/>
+          </a:solidFill>
+          <a:ln>
+            <a:noFill/>
+          </a:ln>
+        </p:spPr>
+        <p:style>
+          <a:lnRef idx="2">
+            <a:schemeClr val="accent1">
+              <a:shade val="50000"/>
+            </a:schemeClr>
+          </a:lnRef>
+          <a:fillRef idx="1">
+            <a:schemeClr val="accent1"/>
+          </a:fillRef>
+          <a:effectRef idx="0">
+            <a:schemeClr val="accent1"/>
+          </a:effectRef>
+          <a:fontRef idx="minor">
+            <a:schemeClr val="lt1"/>
+          </a:fontRef>
+        </p:style>
+        <p:txBody>
+          <a:bodyPr rtlCol="0" anchor="ctr"/>
+          <a:lstStyle/>
+          <a:p>
+            <a:pPr algn="ctr"/>
+            <a:endParaRPr lang="en-US"/>
+          </a:p>
+        </p:txBody>
+      </p:sp>
+      <p:sp>
+        <p:nvSpPr>
+          <p:cNvPr id="66" name="Rectangle 65">
+            <a:extLst>
+              <a:ext uri="{FF2B5EF4-FFF2-40B4-BE49-F238E27FC236}">
+                <a16:creationId xmlns:a16="http://schemas.microsoft.com/office/drawing/2014/main" id="{8896FB46-3A7A-75F3-8422-8DF4475E2A3D}"/>
+              </a:ext>
+            </a:extLst>
+          </p:cNvPr>
+          <p:cNvSpPr/>
+          <p:nvPr/>
+        </p:nvSpPr>
+        <p:spPr>
+          <a:xfrm>
+            <a:off x="6642677" y="1499001"/>
+            <a:ext cx="301686" cy="1081209"/>
+          </a:xfrm>
+          <a:prstGeom prst="rect">
+            <a:avLst/>
+          </a:prstGeom>
+          <a:solidFill>
+            <a:schemeClr val="bg1"/>
+          </a:solidFill>
+          <a:ln>
+            <a:noFill/>
+          </a:ln>
+        </p:spPr>
+        <p:style>
+          <a:lnRef idx="2">
+            <a:schemeClr val="accent1">
+              <a:shade val="50000"/>
+            </a:schemeClr>
+          </a:lnRef>
+          <a:fillRef idx="1">
+            <a:schemeClr val="accent1"/>
+          </a:fillRef>
+          <a:effectRef idx="0">
+            <a:schemeClr val="accent1"/>
+          </a:effectRef>
+          <a:fontRef idx="minor">
+            <a:schemeClr val="lt1"/>
+          </a:fontRef>
+        </p:style>
+        <p:txBody>
+          <a:bodyPr rtlCol="0" anchor="ctr"/>
+          <a:lstStyle/>
+          <a:p>
+            <a:pPr algn="ctr"/>
+            <a:endParaRPr lang="en-US"/>
+          </a:p>
+        </p:txBody>
+      </p:sp>
+      <p:sp>
+        <p:nvSpPr>
+          <p:cNvPr id="51" name="TextBox 50">
+            <a:extLst>
+              <a:ext uri="{FF2B5EF4-FFF2-40B4-BE49-F238E27FC236}">
+                <a16:creationId xmlns:a16="http://schemas.microsoft.com/office/drawing/2014/main" id="{2D613CBD-D793-2B34-BB42-C0B247CFC3E9}"/>
+              </a:ext>
+            </a:extLst>
+          </p:cNvPr>
+          <p:cNvSpPr txBox="1"/>
+          <p:nvPr/>
+        </p:nvSpPr>
+        <p:spPr>
+          <a:xfrm>
+            <a:off x="6690048" y="1395456"/>
+            <a:ext cx="301686" cy="369332"/>
+          </a:xfrm>
+          <a:prstGeom prst="rect">
+            <a:avLst/>
+          </a:prstGeom>
+          <a:noFill/>
+        </p:spPr>
+        <p:txBody>
+          <a:bodyPr wrap="none" rtlCol="0">
+            <a:spAutoFit/>
+          </a:bodyPr>
+          <a:lstStyle/>
+          <a:p>
+            <a:r>
+              <a:rPr lang="en-US" b="1" dirty="0">
+                <a:solidFill>
+                  <a:schemeClr val="accent6"/>
+                </a:solidFill>
+              </a:rPr>
+              <a:t>1</a:t>
+            </a:r>
+          </a:p>
+        </p:txBody>
+      </p:sp>
+      <p:sp>
+        <p:nvSpPr>
+          <p:cNvPr id="52" name="TextBox 51">
+            <a:extLst>
+              <a:ext uri="{FF2B5EF4-FFF2-40B4-BE49-F238E27FC236}">
+                <a16:creationId xmlns:a16="http://schemas.microsoft.com/office/drawing/2014/main" id="{F4115B1C-6CE2-3185-8932-77C537C78599}"/>
+              </a:ext>
+            </a:extLst>
+          </p:cNvPr>
+          <p:cNvSpPr txBox="1"/>
+          <p:nvPr/>
+        </p:nvSpPr>
+        <p:spPr>
+          <a:xfrm>
+            <a:off x="6690048" y="1628171"/>
+            <a:ext cx="301686" cy="369332"/>
+          </a:xfrm>
+          <a:prstGeom prst="rect">
+            <a:avLst/>
+          </a:prstGeom>
+          <a:noFill/>
+        </p:spPr>
+        <p:txBody>
+          <a:bodyPr wrap="none" rtlCol="0">
+            <a:spAutoFit/>
+          </a:bodyPr>
+          <a:lstStyle/>
+          <a:p>
+            <a:r>
+              <a:rPr lang="en-US" b="1" dirty="0">
+                <a:solidFill>
+                  <a:schemeClr val="accent1"/>
+                </a:solidFill>
+              </a:rPr>
+              <a:t>2</a:t>
+            </a:r>
+          </a:p>
+        </p:txBody>
+      </p:sp>
+      <p:sp>
+        <p:nvSpPr>
+          <p:cNvPr id="53" name="TextBox 52">
+            <a:extLst>
+              <a:ext uri="{FF2B5EF4-FFF2-40B4-BE49-F238E27FC236}">
+                <a16:creationId xmlns:a16="http://schemas.microsoft.com/office/drawing/2014/main" id="{35566350-37E6-A134-9EE5-3D4DD9BBAA9E}"/>
+              </a:ext>
+            </a:extLst>
+          </p:cNvPr>
+          <p:cNvSpPr txBox="1"/>
+          <p:nvPr/>
+        </p:nvSpPr>
+        <p:spPr>
+          <a:xfrm>
+            <a:off x="6690048" y="1829999"/>
+            <a:ext cx="301686" cy="369332"/>
+          </a:xfrm>
+          <a:prstGeom prst="rect">
+            <a:avLst/>
+          </a:prstGeom>
+          <a:noFill/>
+        </p:spPr>
+        <p:txBody>
+          <a:bodyPr wrap="none" rtlCol="0">
+            <a:spAutoFit/>
+          </a:bodyPr>
+          <a:lstStyle/>
+          <a:p>
+            <a:r>
+              <a:rPr lang="en-US" b="1" dirty="0">
+                <a:solidFill>
+                  <a:srgbClr val="FF0000"/>
+                </a:solidFill>
+              </a:rPr>
+              <a:t>3</a:t>
+            </a:r>
+          </a:p>
+        </p:txBody>
+      </p:sp>
+      <p:cxnSp>
+        <p:nvCxnSpPr>
+          <p:cNvPr id="56" name="Connector: Elbow 55">
+            <a:extLst>
+              <a:ext uri="{FF2B5EF4-FFF2-40B4-BE49-F238E27FC236}">
+                <a16:creationId xmlns:a16="http://schemas.microsoft.com/office/drawing/2014/main" id="{444AA84C-5F86-7740-96E7-67FD573AC7C7}"/>
+              </a:ext>
+            </a:extLst>
+          </p:cNvPr>
+          <p:cNvCxnSpPr>
+            <a:cxnSpLocks/>
+          </p:cNvCxnSpPr>
+          <p:nvPr/>
+        </p:nvCxnSpPr>
+        <p:spPr>
+          <a:xfrm rot="10800000" flipH="1" flipV="1">
+            <a:off x="6685909" y="1585197"/>
+            <a:ext cx="10897" cy="1662771"/>
+          </a:xfrm>
+          <a:prstGeom prst="bentConnector3">
+            <a:avLst>
+              <a:gd name="adj1" fmla="val -1979824"/>
+            </a:avLst>
+          </a:prstGeom>
+          <a:ln w="38100">
+            <a:solidFill>
+              <a:schemeClr val="accent6"/>
+            </a:solidFill>
+            <a:tailEnd type="triangle"/>
+          </a:ln>
+        </p:spPr>
+        <p:style>
+          <a:lnRef idx="1">
+            <a:schemeClr val="accent1"/>
+          </a:lnRef>
+          <a:fillRef idx="0">
+            <a:schemeClr val="accent1"/>
+          </a:fillRef>
+          <a:effectRef idx="0">
+            <a:schemeClr val="accent1"/>
+          </a:effectRef>
+          <a:fontRef idx="minor">
+            <a:schemeClr val="tx1"/>
+          </a:fontRef>
+        </p:style>
+      </p:cxnSp>
+      <p:cxnSp>
+        <p:nvCxnSpPr>
+          <p:cNvPr id="60" name="Connector: Elbow 59">
+            <a:extLst>
+              <a:ext uri="{FF2B5EF4-FFF2-40B4-BE49-F238E27FC236}">
+                <a16:creationId xmlns:a16="http://schemas.microsoft.com/office/drawing/2014/main" id="{1B544FB5-E291-DD17-F12D-D3B984556EFB}"/>
+              </a:ext>
+            </a:extLst>
+          </p:cNvPr>
+          <p:cNvCxnSpPr>
+            <a:cxnSpLocks/>
+          </p:cNvCxnSpPr>
+          <p:nvPr/>
+        </p:nvCxnSpPr>
+        <p:spPr>
+          <a:xfrm rot="10800000" flipH="1" flipV="1">
+            <a:off x="6673567" y="2021723"/>
+            <a:ext cx="65112" cy="2485425"/>
+          </a:xfrm>
+          <a:prstGeom prst="bentConnector3">
+            <a:avLst>
+              <a:gd name="adj1" fmla="val -578821"/>
+            </a:avLst>
+          </a:prstGeom>
+          <a:ln w="38100">
+            <a:solidFill>
+              <a:srgbClr val="FF0000"/>
+            </a:solidFill>
+            <a:tailEnd type="triangle"/>
+          </a:ln>
+        </p:spPr>
+        <p:style>
+          <a:lnRef idx="1">
+            <a:schemeClr val="accent1"/>
+          </a:lnRef>
+          <a:fillRef idx="0">
+            <a:schemeClr val="accent1"/>
+          </a:fillRef>
+          <a:effectRef idx="0">
+            <a:schemeClr val="accent1"/>
+          </a:effectRef>
+          <a:fontRef idx="minor">
+            <a:schemeClr val="tx1"/>
+          </a:fontRef>
+        </p:style>
+      </p:cxnSp>
+      <p:sp>
+        <p:nvSpPr>
+          <p:cNvPr id="69" name="TextBox 68">
+            <a:extLst>
+              <a:ext uri="{FF2B5EF4-FFF2-40B4-BE49-F238E27FC236}">
+                <a16:creationId xmlns:a16="http://schemas.microsoft.com/office/drawing/2014/main" id="{5BAA0C81-F592-8D42-BD83-16163A84601B}"/>
+              </a:ext>
+            </a:extLst>
+          </p:cNvPr>
+          <p:cNvSpPr txBox="1"/>
+          <p:nvPr/>
+        </p:nvSpPr>
+        <p:spPr>
+          <a:xfrm>
+            <a:off x="6690048" y="2033884"/>
+            <a:ext cx="301686" cy="369332"/>
+          </a:xfrm>
+          <a:prstGeom prst="rect">
+            <a:avLst/>
+          </a:prstGeom>
+          <a:noFill/>
+        </p:spPr>
+        <p:txBody>
+          <a:bodyPr wrap="none" rtlCol="0">
+            <a:spAutoFit/>
+          </a:bodyPr>
+          <a:lstStyle/>
+          <a:p>
+            <a:r>
+              <a:rPr lang="en-US" b="1" dirty="0">
+                <a:solidFill>
+                  <a:schemeClr val="accent1"/>
+                </a:solidFill>
+              </a:rPr>
+              <a:t>4</a:t>
+            </a:r>
+          </a:p>
+        </p:txBody>
+      </p:sp>
+      <p:sp>
+        <p:nvSpPr>
+          <p:cNvPr id="70" name="TextBox 69">
+            <a:extLst>
+              <a:ext uri="{FF2B5EF4-FFF2-40B4-BE49-F238E27FC236}">
+                <a16:creationId xmlns:a16="http://schemas.microsoft.com/office/drawing/2014/main" id="{70B96428-7DFF-B83C-75F4-5F83209B123B}"/>
+              </a:ext>
+            </a:extLst>
+          </p:cNvPr>
+          <p:cNvSpPr txBox="1"/>
+          <p:nvPr/>
+        </p:nvSpPr>
+        <p:spPr>
+          <a:xfrm>
+            <a:off x="6690048" y="2252193"/>
+            <a:ext cx="301686" cy="369332"/>
+          </a:xfrm>
+          <a:prstGeom prst="rect">
+            <a:avLst/>
+          </a:prstGeom>
+          <a:noFill/>
+        </p:spPr>
+        <p:txBody>
+          <a:bodyPr wrap="none" rtlCol="0">
+            <a:spAutoFit/>
+          </a:bodyPr>
+          <a:lstStyle/>
+          <a:p>
+            <a:r>
+              <a:rPr lang="en-US" b="1" dirty="0">
+                <a:solidFill>
+                  <a:schemeClr val="accent6"/>
+                </a:solidFill>
+              </a:rPr>
+              <a:t>5</a:t>
+            </a:r>
+          </a:p>
+        </p:txBody>
+      </p:sp>
+      <p:cxnSp>
+        <p:nvCxnSpPr>
+          <p:cNvPr id="71" name="Connector: Elbow 70">
+            <a:extLst>
+              <a:ext uri="{FF2B5EF4-FFF2-40B4-BE49-F238E27FC236}">
+                <a16:creationId xmlns:a16="http://schemas.microsoft.com/office/drawing/2014/main" id="{20BEDB88-3541-A485-7A4C-9833D9913DD0}"/>
+              </a:ext>
+            </a:extLst>
+          </p:cNvPr>
+          <p:cNvCxnSpPr>
+            <a:cxnSpLocks/>
+            <a:stCxn id="70" idx="1"/>
+            <a:endCxn id="45" idx="1"/>
+          </p:cNvCxnSpPr>
+          <p:nvPr/>
+        </p:nvCxnSpPr>
+        <p:spPr>
+          <a:xfrm rot="10800000" flipH="1" flipV="1">
+            <a:off x="6690047" y="2475514"/>
+            <a:ext cx="7695" cy="773096"/>
+          </a:xfrm>
+          <a:prstGeom prst="bentConnector3">
+            <a:avLst>
+              <a:gd name="adj1" fmla="val -2037973"/>
+            </a:avLst>
+          </a:prstGeom>
+          <a:ln w="38100">
+            <a:solidFill>
+              <a:schemeClr val="accent6"/>
+            </a:solidFill>
+            <a:tailEnd type="triangle"/>
+          </a:ln>
+        </p:spPr>
+        <p:style>
+          <a:lnRef idx="1">
+            <a:schemeClr val="accent1"/>
+          </a:lnRef>
+          <a:fillRef idx="0">
+            <a:schemeClr val="accent1"/>
+          </a:fillRef>
+          <a:effectRef idx="0">
+            <a:schemeClr val="accent1"/>
+          </a:effectRef>
+          <a:fontRef idx="minor">
+            <a:schemeClr val="tx1"/>
+          </a:fontRef>
+        </p:style>
+      </p:cxnSp>
+    </p:spTree>
+    <p:extLst>
+      <p:ext uri="{BB962C8B-B14F-4D97-AF65-F5344CB8AC3E}">
+        <p14:creationId xmlns:p14="http://schemas.microsoft.com/office/powerpoint/2010/main" val="4030982775"/>
+      </p:ext>
+    </p:extLst>
+  </p:cSld>
+  <p:clrMapOvr>
+    <a:masterClrMapping/>
+  </p:clrMapOvr>
+</p:sld>
+</file>
+
 <file path=ppt/theme/theme1.xml><?xml version="1.0" encoding="utf-8"?>
 <a:theme xmlns:a="http://schemas.openxmlformats.org/drawingml/2006/main" name="Office Theme">
   <a:themeElements>
